--- a/madrat/MAgPIE_madrat_tutorial_2020.pptx
+++ b/madrat/MAgPIE_madrat_tutorial_2020.pptx
@@ -22,10 +22,10 @@
     <p:sldId id="266" r:id="rId13"/>
     <p:sldId id="267" r:id="rId14"/>
     <p:sldId id="282" r:id="rId15"/>
-    <p:sldId id="287" r:id="rId16"/>
-    <p:sldId id="285" r:id="rId17"/>
-    <p:sldId id="283" r:id="rId18"/>
-    <p:sldId id="268" r:id="rId19"/>
+    <p:sldId id="283" r:id="rId16"/>
+    <p:sldId id="287" r:id="rId17"/>
+    <p:sldId id="285" r:id="rId18"/>
+    <p:sldId id="286" r:id="rId19"/>
     <p:sldId id="269" r:id="rId20"/>
     <p:sldId id="270" r:id="rId21"/>
     <p:sldId id="271" r:id="rId22"/>
@@ -562,7 +562,7 @@
     </p:spTree>
     <p:extLst>
       <p:ext uri="{BB962C8B-B14F-4D97-AF65-F5344CB8AC3E}">
-        <p14:creationId xmlns:p14="http://schemas.microsoft.com/office/powerpoint/2010/main" val="3990088574"/>
+        <p14:creationId xmlns:p14="http://schemas.microsoft.com/office/powerpoint/2010/main" val="860719258"/>
       </p:ext>
     </p:extLst>
   </p:cSld>
@@ -854,7 +854,7 @@
     </p:spTree>
     <p:extLst>
       <p:ext uri="{BB962C8B-B14F-4D97-AF65-F5344CB8AC3E}">
-        <p14:creationId xmlns:p14="http://schemas.microsoft.com/office/powerpoint/2010/main" val="192527309"/>
+        <p14:creationId xmlns:p14="http://schemas.microsoft.com/office/powerpoint/2010/main" val="4229018970"/>
       </p:ext>
     </p:extLst>
   </p:cSld>
@@ -985,7 +985,7 @@
     </p:spTree>
     <p:extLst>
       <p:ext uri="{BB962C8B-B14F-4D97-AF65-F5344CB8AC3E}">
-        <p14:creationId xmlns:p14="http://schemas.microsoft.com/office/powerpoint/2010/main" val="1165655651"/>
+        <p14:creationId xmlns:p14="http://schemas.microsoft.com/office/powerpoint/2010/main" val="3448063203"/>
       </p:ext>
     </p:extLst>
   </p:cSld>
@@ -1165,7 +1165,7 @@
     </p:spTree>
     <p:extLst>
       <p:ext uri="{BB962C8B-B14F-4D97-AF65-F5344CB8AC3E}">
-        <p14:creationId xmlns:p14="http://schemas.microsoft.com/office/powerpoint/2010/main" val="3294237686"/>
+        <p14:creationId xmlns:p14="http://schemas.microsoft.com/office/powerpoint/2010/main" val="1697519314"/>
       </p:ext>
     </p:extLst>
   </p:cSld>
@@ -1275,7 +1275,7 @@
     </p:spTree>
     <p:extLst>
       <p:ext uri="{BB962C8B-B14F-4D97-AF65-F5344CB8AC3E}">
-        <p14:creationId xmlns:p14="http://schemas.microsoft.com/office/powerpoint/2010/main" val="265787797"/>
+        <p14:creationId xmlns:p14="http://schemas.microsoft.com/office/powerpoint/2010/main" val="947010331"/>
       </p:ext>
     </p:extLst>
   </p:cSld>
@@ -1419,7 +1419,7 @@
     </p:spTree>
     <p:extLst>
       <p:ext uri="{BB962C8B-B14F-4D97-AF65-F5344CB8AC3E}">
-        <p14:creationId xmlns:p14="http://schemas.microsoft.com/office/powerpoint/2010/main" val="2004658870"/>
+        <p14:creationId xmlns:p14="http://schemas.microsoft.com/office/powerpoint/2010/main" val="2951016256"/>
       </p:ext>
     </p:extLst>
   </p:cSld>
@@ -1552,7 +1552,7 @@
     </p:spTree>
     <p:extLst>
       <p:ext uri="{BB962C8B-B14F-4D97-AF65-F5344CB8AC3E}">
-        <p14:creationId xmlns:p14="http://schemas.microsoft.com/office/powerpoint/2010/main" val="4207189111"/>
+        <p14:creationId xmlns:p14="http://schemas.microsoft.com/office/powerpoint/2010/main" val="3712825179"/>
       </p:ext>
     </p:extLst>
   </p:cSld>
@@ -1638,7 +1638,7 @@
     </p:spTree>
     <p:extLst>
       <p:ext uri="{BB962C8B-B14F-4D97-AF65-F5344CB8AC3E}">
-        <p14:creationId xmlns:p14="http://schemas.microsoft.com/office/powerpoint/2010/main" val="3841856983"/>
+        <p14:creationId xmlns:p14="http://schemas.microsoft.com/office/powerpoint/2010/main" val="3821989968"/>
       </p:ext>
     </p:extLst>
   </p:cSld>
@@ -1695,7 +1695,7 @@
     </p:spTree>
     <p:extLst>
       <p:ext uri="{BB962C8B-B14F-4D97-AF65-F5344CB8AC3E}">
-        <p14:creationId xmlns:p14="http://schemas.microsoft.com/office/powerpoint/2010/main" val="3064780058"/>
+        <p14:creationId xmlns:p14="http://schemas.microsoft.com/office/powerpoint/2010/main" val="2294040603"/>
       </p:ext>
     </p:extLst>
   </p:cSld>
@@ -2640,7 +2640,7 @@
     </p:spTree>
     <p:extLst>
       <p:ext uri="{BB962C8B-B14F-4D97-AF65-F5344CB8AC3E}">
-        <p14:creationId xmlns:p14="http://schemas.microsoft.com/office/powerpoint/2010/main" val="342817879"/>
+        <p14:creationId xmlns:p14="http://schemas.microsoft.com/office/powerpoint/2010/main" val="3644108274"/>
       </p:ext>
     </p:extLst>
   </p:cSld>
@@ -2858,7 +2858,7 @@
     </p:spTree>
     <p:extLst>
       <p:ext uri="{BB962C8B-B14F-4D97-AF65-F5344CB8AC3E}">
-        <p14:creationId xmlns:p14="http://schemas.microsoft.com/office/powerpoint/2010/main" val="2151683108"/>
+        <p14:creationId xmlns:p14="http://schemas.microsoft.com/office/powerpoint/2010/main" val="1374270776"/>
       </p:ext>
     </p:extLst>
   </p:cSld>
@@ -2944,7 +2944,7 @@
     </p:spTree>
     <p:extLst>
       <p:ext uri="{BB962C8B-B14F-4D97-AF65-F5344CB8AC3E}">
-        <p14:creationId xmlns:p14="http://schemas.microsoft.com/office/powerpoint/2010/main" val="3475138490"/>
+        <p14:creationId xmlns:p14="http://schemas.microsoft.com/office/powerpoint/2010/main" val="344048832"/>
       </p:ext>
     </p:extLst>
   </p:cSld>
@@ -3167,7 +3167,7 @@
     </p:spTree>
     <p:extLst>
       <p:ext uri="{BB962C8B-B14F-4D97-AF65-F5344CB8AC3E}">
-        <p14:creationId xmlns:p14="http://schemas.microsoft.com/office/powerpoint/2010/main" val="1747701522"/>
+        <p14:creationId xmlns:p14="http://schemas.microsoft.com/office/powerpoint/2010/main" val="1867895733"/>
       </p:ext>
     </p:extLst>
   </p:cSld>
@@ -3702,7 +3702,7 @@
           </a:ln>
           <a:extLst>
             <a:ext uri="{C572A759-6A51-4108-AA02-DFA0A04FC94B}">
-              <ma14:wrappingTextBoxFlag xmlns="" xmlns:m="http://schemas.openxmlformats.org/officeDocument/2006/math" xmlns:a14="http://schemas.microsoft.com/office/drawing/2010/main" xmlns:ma14="http://schemas.microsoft.com/office/mac/drawingml/2011/main" val="1"/>
+              <ma14:wrappingTextBoxFlag xmlns:ma14="http://schemas.microsoft.com/office/mac/drawingml/2011/main" xmlns:a14="http://schemas.microsoft.com/office/drawing/2010/main" xmlns:m="http://schemas.openxmlformats.org/officeDocument/2006/math" xmlns="" val="1"/>
             </a:ext>
           </a:extLst>
         </p:spPr>
@@ -3741,7 +3741,7 @@
           </a:ln>
           <a:extLst>
             <a:ext uri="{C572A759-6A51-4108-AA02-DFA0A04FC94B}">
-              <ma14:wrappingTextBoxFlag xmlns="" xmlns:m="http://schemas.openxmlformats.org/officeDocument/2006/math" xmlns:a14="http://schemas.microsoft.com/office/drawing/2010/main" xmlns:ma14="http://schemas.microsoft.com/office/mac/drawingml/2011/main" val="1"/>
+              <ma14:wrappingTextBoxFlag xmlns:ma14="http://schemas.microsoft.com/office/mac/drawingml/2011/main" xmlns:a14="http://schemas.microsoft.com/office/drawing/2010/main" xmlns:m="http://schemas.openxmlformats.org/officeDocument/2006/math" xmlns="" val="1"/>
             </a:ext>
           </a:extLst>
         </p:spPr>
@@ -3834,7 +3834,7 @@
     </p:spTree>
     <p:extLst>
       <p:ext uri="{BB962C8B-B14F-4D97-AF65-F5344CB8AC3E}">
-        <p14:creationId xmlns:p14="http://schemas.microsoft.com/office/powerpoint/2010/main" val="1071464187"/>
+        <p14:creationId xmlns:p14="http://schemas.microsoft.com/office/powerpoint/2010/main" val="2595699068"/>
       </p:ext>
     </p:extLst>
   </p:cSld>
@@ -4853,7 +4853,7 @@
               </a:rPr>
               <a:t>MAgPIE</a:t>
             </a:r>
-            <a:endParaRPr sz="3200"/>
+            <a:endParaRPr sz="3200" dirty="0"/>
           </a:p>
         </p:txBody>
       </p:sp>
@@ -5482,7 +5482,7 @@
         <p:spPr>
           <a:xfrm>
             <a:off x="190911" y="1223675"/>
-            <a:ext cx="4133215" cy="2889885"/>
+            <a:ext cx="4133215" cy="3227807"/>
           </a:xfrm>
           <a:prstGeom prst="rect">
             <a:avLst/>
@@ -5760,11 +5760,32 @@
               </a:tabLst>
             </a:pPr>
             <a:r>
+              <a:rPr sz="2000" b="1" spc="-10" dirty="0" smtClean="0">
+                <a:latin typeface="Arial"/>
+                <a:cs typeface="Arial"/>
+              </a:rPr>
+              <a:t>User</a:t>
+            </a:r>
+            <a:r>
+              <a:rPr lang="en-CA" sz="2000" b="1" spc="-10" dirty="0" smtClean="0">
+                <a:latin typeface="Arial"/>
+                <a:cs typeface="Arial"/>
+              </a:rPr>
+              <a:t>s</a:t>
+            </a:r>
+            <a:r>
+              <a:rPr sz="2000" b="1" spc="-10" dirty="0" smtClean="0">
+                <a:latin typeface="Arial"/>
+                <a:cs typeface="Arial"/>
+              </a:rPr>
+              <a:t> </a:t>
+            </a:r>
+            <a:r>
               <a:rPr sz="2000" b="1" spc="-10" dirty="0">
                 <a:latin typeface="Arial"/>
                 <a:cs typeface="Arial"/>
               </a:rPr>
-              <a:t>User report </a:t>
+              <a:t>report </a:t>
             </a:r>
             <a:r>
               <a:rPr sz="2000" b="1" spc="-5" dirty="0">
@@ -6777,6 +6798,382 @@
 </file>
 
 <file path=ppt/slides/slide14.xml><?xml version="1.0" encoding="utf-8"?>
+<p:sld xmlns:a="http://schemas.openxmlformats.org/drawingml/2006/main" xmlns:r="http://schemas.openxmlformats.org/officeDocument/2006/relationships" xmlns:p="http://schemas.openxmlformats.org/presentationml/2006/main">
+  <p:cSld>
+    <p:spTree>
+      <p:nvGrpSpPr>
+        <p:cNvPr id="1" name=""/>
+        <p:cNvGrpSpPr/>
+        <p:nvPr/>
+      </p:nvGrpSpPr>
+      <p:grpSpPr>
+        <a:xfrm>
+          <a:off x="0" y="0"/>
+          <a:ext cx="0" cy="0"/>
+          <a:chOff x="0" y="0"/>
+          <a:chExt cx="0" cy="0"/>
+        </a:xfrm>
+      </p:grpSpPr>
+      <p:sp>
+        <p:nvSpPr>
+          <p:cNvPr id="2" name="object 2"/>
+          <p:cNvSpPr txBox="1">
+            <a:spLocks noGrp="1"/>
+          </p:cNvSpPr>
+          <p:nvPr>
+            <p:ph type="title"/>
+          </p:nvPr>
+        </p:nvSpPr>
+        <p:spPr>
+          <a:xfrm>
+            <a:off x="2590800" y="317648"/>
+            <a:ext cx="2682175" cy="444352"/>
+          </a:xfrm>
+          <a:prstGeom prst="rect">
+            <a:avLst/>
+          </a:prstGeom>
+        </p:spPr>
+        <p:txBody>
+          <a:bodyPr vert="horz" wrap="square" lIns="0" tIns="13335" rIns="0" bIns="0" rtlCol="0">
+            <a:spAutoFit/>
+          </a:bodyPr>
+          <a:lstStyle/>
+          <a:p>
+            <a:pPr marL="81280">
+              <a:lnSpc>
+                <a:spcPct val="100000"/>
+              </a:lnSpc>
+              <a:spcBef>
+                <a:spcPts val="105"/>
+              </a:spcBef>
+            </a:pPr>
+            <a:r>
+              <a:rPr lang="en-CA" dirty="0" err="1" smtClean="0"/>
+              <a:t>Magclass</a:t>
+            </a:r>
+            <a:r>
+              <a:rPr lang="en-CA" dirty="0" smtClean="0"/>
+              <a:t> Objects</a:t>
+            </a:r>
+            <a:endParaRPr dirty="0"/>
+          </a:p>
+        </p:txBody>
+      </p:sp>
+      <p:sp>
+        <p:nvSpPr>
+          <p:cNvPr id="5" name="object 5"/>
+          <p:cNvSpPr txBox="1"/>
+          <p:nvPr/>
+        </p:nvSpPr>
+        <p:spPr>
+          <a:xfrm>
+            <a:off x="8655684" y="6399276"/>
+            <a:ext cx="229870" cy="177800"/>
+          </a:xfrm>
+          <a:prstGeom prst="rect">
+            <a:avLst/>
+          </a:prstGeom>
+        </p:spPr>
+        <p:txBody>
+          <a:bodyPr vert="horz" wrap="square" lIns="0" tIns="0" rIns="0" bIns="0" rtlCol="0">
+            <a:spAutoFit/>
+          </a:bodyPr>
+          <a:lstStyle/>
+          <a:p>
+            <a:pPr marL="38100">
+              <a:lnSpc>
+                <a:spcPts val="1240"/>
+              </a:lnSpc>
+            </a:pPr>
+            <a:fld id="{81D60167-4931-47E6-BA6A-407CBD079E47}" type="slidenum">
+              <a:rPr sz="1200" dirty="0">
+                <a:solidFill>
+                  <a:srgbClr val="818181"/>
+                </a:solidFill>
+                <a:latin typeface="Calibri"/>
+                <a:cs typeface="Calibri"/>
+              </a:rPr>
+              <a:t>14</a:t>
+            </a:fld>
+            <a:endParaRPr sz="1200">
+              <a:latin typeface="Calibri"/>
+              <a:cs typeface="Calibri"/>
+            </a:endParaRPr>
+          </a:p>
+        </p:txBody>
+      </p:sp>
+      <p:sp>
+        <p:nvSpPr>
+          <p:cNvPr id="3" name="object 3"/>
+          <p:cNvSpPr txBox="1"/>
+          <p:nvPr/>
+        </p:nvSpPr>
+        <p:spPr>
+          <a:xfrm>
+            <a:off x="618291" y="934457"/>
+            <a:ext cx="7625080" cy="3550331"/>
+          </a:xfrm>
+          <a:prstGeom prst="rect">
+            <a:avLst/>
+          </a:prstGeom>
+        </p:spPr>
+        <p:txBody>
+          <a:bodyPr vert="horz" wrap="square" lIns="0" tIns="13335" rIns="0" bIns="0" rtlCol="0">
+            <a:spAutoFit/>
+          </a:bodyPr>
+          <a:lstStyle/>
+          <a:p>
+            <a:pPr marL="372110">
+              <a:lnSpc>
+                <a:spcPct val="100000"/>
+              </a:lnSpc>
+              <a:spcBef>
+                <a:spcPts val="105"/>
+              </a:spcBef>
+            </a:pPr>
+            <a:r>
+              <a:rPr lang="en-CA" sz="2800" u="sng" dirty="0" smtClean="0">
+                <a:latin typeface="Calibri"/>
+                <a:cs typeface="Calibri"/>
+              </a:rPr>
+              <a:t>Basic </a:t>
+            </a:r>
+            <a:r>
+              <a:rPr lang="en-CA" sz="2800" u="sng" dirty="0" smtClean="0">
+                <a:latin typeface="Calibri"/>
+                <a:cs typeface="Calibri"/>
+              </a:rPr>
+              <a:t>element in</a:t>
+            </a:r>
+            <a:r>
+              <a:rPr lang="en-CA" sz="2800" u="sng" dirty="0" smtClean="0">
+                <a:latin typeface="Calibri"/>
+                <a:cs typeface="Calibri"/>
+              </a:rPr>
+              <a:t> </a:t>
+            </a:r>
+            <a:r>
+              <a:rPr lang="en-CA" sz="2800" u="sng" dirty="0" err="1" smtClean="0">
+                <a:latin typeface="Calibri"/>
+                <a:cs typeface="Calibri"/>
+              </a:rPr>
+              <a:t>MADRaT</a:t>
+            </a:r>
+            <a:r>
+              <a:rPr lang="en-CA" sz="2800" u="sng" dirty="0" smtClean="0">
+                <a:latin typeface="Calibri"/>
+                <a:cs typeface="Calibri"/>
+              </a:rPr>
+              <a:t>: </a:t>
+            </a:r>
+            <a:r>
+              <a:rPr lang="en-CA" sz="2800" dirty="0" err="1" smtClean="0">
+                <a:latin typeface="Calibri"/>
+                <a:cs typeface="Calibri"/>
+              </a:rPr>
+              <a:t>MAgPIE</a:t>
+            </a:r>
+            <a:r>
+              <a:rPr lang="en-CA" sz="2800" dirty="0" smtClean="0">
+                <a:latin typeface="Calibri"/>
+                <a:cs typeface="Calibri"/>
+              </a:rPr>
+              <a:t> objects</a:t>
+            </a:r>
+          </a:p>
+          <a:p>
+            <a:pPr marL="372110">
+              <a:lnSpc>
+                <a:spcPct val="100000"/>
+              </a:lnSpc>
+              <a:spcBef>
+                <a:spcPts val="105"/>
+              </a:spcBef>
+            </a:pPr>
+            <a:endParaRPr lang="en-CA" sz="2800" dirty="0">
+              <a:latin typeface="Calibri"/>
+              <a:cs typeface="Calibri"/>
+            </a:endParaRPr>
+          </a:p>
+          <a:p>
+            <a:pPr marL="372110">
+              <a:lnSpc>
+                <a:spcPct val="100000"/>
+              </a:lnSpc>
+              <a:spcBef>
+                <a:spcPts val="105"/>
+              </a:spcBef>
+            </a:pPr>
+            <a:r>
+              <a:rPr lang="en-CA" sz="2800" dirty="0" smtClean="0">
+                <a:latin typeface="Calibri"/>
+                <a:cs typeface="Calibri"/>
+              </a:rPr>
+              <a:t>Array consisting of:</a:t>
+            </a:r>
+          </a:p>
+          <a:p>
+            <a:pPr marL="372110">
+              <a:lnSpc>
+                <a:spcPct val="100000"/>
+              </a:lnSpc>
+              <a:spcBef>
+                <a:spcPts val="105"/>
+              </a:spcBef>
+            </a:pPr>
+            <a:endParaRPr lang="en-CA" sz="2800" dirty="0">
+              <a:latin typeface="Calibri"/>
+              <a:cs typeface="Calibri"/>
+            </a:endParaRPr>
+          </a:p>
+          <a:p>
+            <a:pPr marL="372110">
+              <a:lnSpc>
+                <a:spcPct val="100000"/>
+              </a:lnSpc>
+              <a:spcBef>
+                <a:spcPts val="105"/>
+              </a:spcBef>
+            </a:pPr>
+            <a:r>
+              <a:rPr lang="en-CA" sz="2800" dirty="0" smtClean="0">
+                <a:latin typeface="Calibri"/>
+                <a:cs typeface="Calibri"/>
+              </a:rPr>
+              <a:t>3 dimensions (</a:t>
+            </a:r>
+            <a:r>
+              <a:rPr lang="en-CA" sz="2800" dirty="0" err="1" smtClean="0">
+                <a:latin typeface="Calibri"/>
+                <a:cs typeface="Calibri"/>
+              </a:rPr>
+              <a:t>Subdimensions</a:t>
+            </a:r>
+            <a:r>
+              <a:rPr lang="en-CA" sz="2800" dirty="0" smtClean="0">
+                <a:latin typeface="Calibri"/>
+                <a:cs typeface="Calibri"/>
+              </a:rPr>
+              <a:t> possible):</a:t>
+            </a:r>
+            <a:endParaRPr lang="en-CA" sz="2800" dirty="0">
+              <a:latin typeface="Calibri"/>
+              <a:cs typeface="Calibri"/>
+            </a:endParaRPr>
+          </a:p>
+          <a:p>
+            <a:pPr marL="372110">
+              <a:lnSpc>
+                <a:spcPct val="100000"/>
+              </a:lnSpc>
+              <a:spcBef>
+                <a:spcPts val="105"/>
+              </a:spcBef>
+            </a:pPr>
+            <a:r>
+              <a:rPr lang="en-CA" sz="2800" dirty="0" smtClean="0">
+                <a:latin typeface="Calibri"/>
+                <a:cs typeface="Calibri"/>
+              </a:rPr>
+              <a:t>	1</a:t>
+            </a:r>
+            <a:r>
+              <a:rPr lang="en-CA" sz="2800" baseline="30000" dirty="0" smtClean="0">
+                <a:latin typeface="Calibri"/>
+                <a:cs typeface="Calibri"/>
+              </a:rPr>
+              <a:t>st</a:t>
+            </a:r>
+            <a:r>
+              <a:rPr lang="en-CA" sz="2800" dirty="0" smtClean="0">
+                <a:latin typeface="Calibri"/>
+                <a:cs typeface="Calibri"/>
+              </a:rPr>
+              <a:t> dim: Spatial</a:t>
+            </a:r>
+          </a:p>
+          <a:p>
+            <a:pPr marL="372110">
+              <a:lnSpc>
+                <a:spcPct val="100000"/>
+              </a:lnSpc>
+              <a:spcBef>
+                <a:spcPts val="105"/>
+              </a:spcBef>
+            </a:pPr>
+            <a:r>
+              <a:rPr lang="en-CA" sz="2800" dirty="0" smtClean="0">
+                <a:latin typeface="Calibri"/>
+                <a:cs typeface="Calibri"/>
+              </a:rPr>
+              <a:t>	2</a:t>
+            </a:r>
+            <a:r>
+              <a:rPr lang="en-CA" sz="2800" baseline="30000" dirty="0" smtClean="0">
+                <a:latin typeface="Calibri"/>
+                <a:cs typeface="Calibri"/>
+              </a:rPr>
+              <a:t>nd</a:t>
+            </a:r>
+            <a:r>
+              <a:rPr lang="en-CA" sz="2800" dirty="0" smtClean="0">
+                <a:latin typeface="Calibri"/>
+                <a:cs typeface="Calibri"/>
+              </a:rPr>
+              <a:t> dim: Temporal</a:t>
+            </a:r>
+          </a:p>
+          <a:p>
+            <a:pPr marL="372110">
+              <a:lnSpc>
+                <a:spcPct val="100000"/>
+              </a:lnSpc>
+              <a:spcBef>
+                <a:spcPts val="105"/>
+              </a:spcBef>
+            </a:pPr>
+            <a:r>
+              <a:rPr lang="en-CA" sz="2800" dirty="0" smtClean="0">
+                <a:latin typeface="Calibri"/>
+                <a:cs typeface="Calibri"/>
+              </a:rPr>
+              <a:t>	3</a:t>
+            </a:r>
+            <a:r>
+              <a:rPr lang="en-CA" sz="2800" baseline="30000" dirty="0" smtClean="0">
+                <a:latin typeface="Calibri"/>
+                <a:cs typeface="Calibri"/>
+              </a:rPr>
+              <a:t>rd</a:t>
+            </a:r>
+            <a:r>
+              <a:rPr lang="en-CA" sz="2800" dirty="0" smtClean="0">
+                <a:latin typeface="Calibri"/>
+                <a:cs typeface="Calibri"/>
+              </a:rPr>
+              <a:t> dim: Data</a:t>
+            </a:r>
+            <a:endParaRPr lang="en-CA" sz="2800" dirty="0">
+              <a:latin typeface="Calibri"/>
+              <a:cs typeface="Calibri"/>
+            </a:endParaRPr>
+          </a:p>
+        </p:txBody>
+      </p:sp>
+    </p:spTree>
+    <p:extLst>
+      <p:ext uri="{BB962C8B-B14F-4D97-AF65-F5344CB8AC3E}">
+        <p14:creationId xmlns:p14="http://schemas.microsoft.com/office/powerpoint/2010/main" val="2673734267"/>
+      </p:ext>
+    </p:extLst>
+  </p:cSld>
+  <p:clrMapOvr>
+    <a:masterClrMapping/>
+  </p:clrMapOvr>
+</p:sld>
+</file>
+
+<file path=ppt/slides/slide15.xml><?xml version="1.0" encoding="utf-8"?>
 <p:sld xmlns:a="http://schemas.openxmlformats.org/drawingml/2006/main" xmlns:r="http://schemas.openxmlformats.org/officeDocument/2006/relationships" xmlns:p="http://schemas.openxmlformats.org/presentationml/2006/main">
   <p:cSld>
     <p:spTree>
@@ -6936,7 +7333,7 @@
           </a:ln>
           <a:extLst>
             <a:ext uri="{C572A759-6A51-4108-AA02-DFA0A04FC94B}">
-              <ma14:wrappingTextBoxFlag xmlns="" xmlns:m="http://schemas.openxmlformats.org/officeDocument/2006/math" xmlns:a14="http://schemas.microsoft.com/office/drawing/2010/main" xmlns:ma14="http://schemas.microsoft.com/office/mac/drawingml/2011/main" val="1"/>
+              <ma14:wrappingTextBoxFlag xmlns:ma14="http://schemas.microsoft.com/office/mac/drawingml/2011/main" xmlns:a14="http://schemas.microsoft.com/office/drawing/2010/main" xmlns:m="http://schemas.openxmlformats.org/officeDocument/2006/math" xmlns="" val="1"/>
             </a:ext>
           </a:extLst>
         </p:spPr>
@@ -7014,7 +7411,7 @@
           </a:ln>
           <a:extLst>
             <a:ext uri="{C572A759-6A51-4108-AA02-DFA0A04FC94B}">
-              <ma14:wrappingTextBoxFlag xmlns="" xmlns:m="http://schemas.openxmlformats.org/officeDocument/2006/math" xmlns:a14="http://schemas.microsoft.com/office/drawing/2010/main" xmlns:ma14="http://schemas.microsoft.com/office/mac/drawingml/2011/main" val="1"/>
+              <ma14:wrappingTextBoxFlag xmlns:ma14="http://schemas.microsoft.com/office/mac/drawingml/2011/main" xmlns:a14="http://schemas.microsoft.com/office/drawing/2010/main" xmlns:m="http://schemas.openxmlformats.org/officeDocument/2006/math" xmlns="" val="1"/>
             </a:ext>
           </a:extLst>
         </p:spPr>
@@ -7066,7 +7463,7 @@
           </a:ln>
           <a:extLst>
             <a:ext uri="{C572A759-6A51-4108-AA02-DFA0A04FC94B}">
-              <ma14:wrappingTextBoxFlag xmlns="" xmlns:m="http://schemas.openxmlformats.org/officeDocument/2006/math" xmlns:a14="http://schemas.microsoft.com/office/drawing/2010/main" xmlns:ma14="http://schemas.microsoft.com/office/mac/drawingml/2011/main" val="1"/>
+              <ma14:wrappingTextBoxFlag xmlns:ma14="http://schemas.microsoft.com/office/mac/drawingml/2011/main" xmlns:a14="http://schemas.microsoft.com/office/drawing/2010/main" xmlns:m="http://schemas.openxmlformats.org/officeDocument/2006/math" xmlns="" val="1"/>
             </a:ext>
           </a:extLst>
         </p:spPr>
@@ -7276,8 +7673,8 @@
         </p:nvSpPr>
         <p:spPr>
           <a:xfrm>
-            <a:off x="5805338" y="905823"/>
-            <a:ext cx="2743002" cy="250845"/>
+            <a:off x="5623912" y="909796"/>
+            <a:ext cx="1539146" cy="16358"/>
           </a:xfrm>
           <a:prstGeom prst="rect">
             <a:avLst/>
@@ -7287,7 +7684,7 @@
           </a:ln>
           <a:extLst>
             <a:ext uri="{C572A759-6A51-4108-AA02-DFA0A04FC94B}">
-              <ma14:wrappingTextBoxFlag xmlns="" xmlns:m="http://schemas.openxmlformats.org/officeDocument/2006/math" xmlns:a14="http://schemas.microsoft.com/office/drawing/2010/main" xmlns:ma14="http://schemas.microsoft.com/office/mac/drawingml/2011/main" val="1"/>
+              <ma14:wrappingTextBoxFlag xmlns:ma14="http://schemas.microsoft.com/office/mac/drawingml/2011/main" xmlns:a14="http://schemas.microsoft.com/office/drawing/2010/main" xmlns:m="http://schemas.openxmlformats.org/officeDocument/2006/math" xmlns="" val="1"/>
             </a:ext>
           </a:extLst>
         </p:spPr>
@@ -7331,69 +7728,6 @@
               </a:rPr>
               <a:t> Basics</a:t>
             </a:r>
-          </a:p>
-          <a:p>
-            <a:pPr marL="0" lvl="1" defTabSz="371142" hangingPunct="0">
-              <a:lnSpc>
-                <a:spcPct val="150000"/>
-              </a:lnSpc>
-              <a:defRPr sz="2500" b="0">
-                <a:solidFill>
-                  <a:srgbClr val="628DB5"/>
-                </a:solidFill>
-              </a:defRPr>
-            </a:pPr>
-            <a:r>
-              <a:rPr lang="en-CA" sz="1016" kern="0" dirty="0">
-                <a:solidFill>
-                  <a:srgbClr val="4C4C4C"/>
-                </a:solidFill>
-                <a:latin typeface="Source Sans Pro"/>
-                <a:sym typeface="Source Sans Pro"/>
-              </a:rPr>
-              <a:t>Further documentation in ?</a:t>
-            </a:r>
-            <a:r>
-              <a:rPr lang="en-CA" sz="1016" kern="0" dirty="0" err="1">
-                <a:solidFill>
-                  <a:srgbClr val="4C4C4C"/>
-                </a:solidFill>
-                <a:latin typeface="Source Sans Pro"/>
-                <a:sym typeface="Source Sans Pro"/>
-              </a:rPr>
-              <a:t>magclass</a:t>
-            </a:r>
-            <a:r>
-              <a:rPr lang="en-CA" sz="1016" kern="0" dirty="0">
-                <a:solidFill>
-                  <a:srgbClr val="4C4C4C"/>
-                </a:solidFill>
-                <a:latin typeface="Source Sans Pro"/>
-                <a:sym typeface="Source Sans Pro"/>
-              </a:rPr>
-              <a:t>::</a:t>
-            </a:r>
-            <a:r>
-              <a:rPr lang="en-CA" sz="1016" kern="0" dirty="0">
-                <a:solidFill>
-                  <a:srgbClr val="DCDEE0">
-                    <a:lumMod val="10000"/>
-                  </a:srgbClr>
-                </a:solidFill>
-                <a:latin typeface="Source Sans Pro"/>
-                <a:sym typeface="Source Sans Pro"/>
-              </a:rPr>
-              <a:t>function()</a:t>
-            </a:r>
-            <a:endParaRPr sz="1016" kern="0" dirty="0">
-              <a:solidFill>
-                <a:srgbClr val="DCDEE0">
-                  <a:lumMod val="10000"/>
-                </a:srgbClr>
-              </a:solidFill>
-              <a:latin typeface="Source Sans Pro"/>
-              <a:sym typeface="Source Sans Pro"/>
-            </a:endParaRPr>
           </a:p>
         </p:txBody>
       </p:sp>
@@ -7458,7 +7792,7 @@
         <p:spPr>
           <a:xfrm>
             <a:off x="309635" y="229453"/>
-            <a:ext cx="6923517" cy="850062"/>
+            <a:ext cx="5503883" cy="850062"/>
           </a:xfrm>
           <a:prstGeom prst="rect">
             <a:avLst/>
@@ -7592,7 +7926,7 @@
           </a:ln>
           <a:extLst>
             <a:ext uri="{C572A759-6A51-4108-AA02-DFA0A04FC94B}">
-              <ma14:wrappingTextBoxFlag xmlns="" xmlns:m="http://schemas.openxmlformats.org/officeDocument/2006/math" xmlns:a14="http://schemas.microsoft.com/office/drawing/2010/main" xmlns:ma14="http://schemas.microsoft.com/office/mac/drawingml/2011/main" val="1"/>
+              <ma14:wrappingTextBoxFlag xmlns:ma14="http://schemas.microsoft.com/office/mac/drawingml/2011/main" xmlns:a14="http://schemas.microsoft.com/office/drawing/2010/main" xmlns:m="http://schemas.openxmlformats.org/officeDocument/2006/math" xmlns="" val="1"/>
             </a:ext>
           </a:extLst>
         </p:spPr>
@@ -7653,9 +7987,9 @@
           <p:nvPr/>
         </p:nvSpPr>
         <p:spPr>
-          <a:xfrm flipV="1">
-            <a:off x="3048588" y="2820574"/>
-            <a:ext cx="5722274" cy="57871"/>
+          <a:xfrm>
+            <a:off x="5569636" y="2068106"/>
+            <a:ext cx="3115170" cy="48141"/>
           </a:xfrm>
           <a:prstGeom prst="line">
             <a:avLst/>
@@ -7713,7 +8047,7 @@
           </a:ln>
           <a:extLst>
             <a:ext uri="{C572A759-6A51-4108-AA02-DFA0A04FC94B}">
-              <ma14:wrappingTextBoxFlag xmlns="" xmlns:m="http://schemas.openxmlformats.org/officeDocument/2006/math" xmlns:a14="http://schemas.microsoft.com/office/drawing/2010/main" xmlns:ma14="http://schemas.microsoft.com/office/mac/drawingml/2011/main" val="1"/>
+              <ma14:wrappingTextBoxFlag xmlns:ma14="http://schemas.microsoft.com/office/mac/drawingml/2011/main" xmlns:a14="http://schemas.microsoft.com/office/drawing/2010/main" xmlns:m="http://schemas.openxmlformats.org/officeDocument/2006/math" xmlns="" val="1"/>
             </a:ext>
           </a:extLst>
         </p:spPr>
@@ -7768,7 +8102,7 @@
           </a:ln>
           <a:extLst>
             <a:ext uri="{C572A759-6A51-4108-AA02-DFA0A04FC94B}">
-              <ma14:wrappingTextBoxFlag xmlns="" xmlns:m="http://schemas.openxmlformats.org/officeDocument/2006/math" xmlns:a14="http://schemas.microsoft.com/office/drawing/2010/main" xmlns:ma14="http://schemas.microsoft.com/office/mac/drawingml/2011/main" val="1"/>
+              <ma14:wrappingTextBoxFlag xmlns:ma14="http://schemas.microsoft.com/office/mac/drawingml/2011/main" xmlns:a14="http://schemas.microsoft.com/office/drawing/2010/main" xmlns:m="http://schemas.openxmlformats.org/officeDocument/2006/math" xmlns="" val="1"/>
             </a:ext>
           </a:extLst>
         </p:spPr>
@@ -9049,7 +9383,7 @@
         <p:spPr>
           <a:xfrm>
             <a:off x="3178284" y="753224"/>
-            <a:ext cx="2411180" cy="211796"/>
+            <a:ext cx="1434952" cy="211796"/>
           </a:xfrm>
           <a:prstGeom prst="rect">
             <a:avLst/>
@@ -9059,7 +9393,7 @@
           </a:ln>
           <a:extLst>
             <a:ext uri="{C572A759-6A51-4108-AA02-DFA0A04FC94B}">
-              <ma14:wrappingTextBoxFlag xmlns="" xmlns:m="http://schemas.openxmlformats.org/officeDocument/2006/math" xmlns:a14="http://schemas.microsoft.com/office/drawing/2010/main" xmlns:ma14="http://schemas.microsoft.com/office/mac/drawingml/2011/main" val="1"/>
+              <ma14:wrappingTextBoxFlag xmlns:ma14="http://schemas.microsoft.com/office/mac/drawingml/2011/main" xmlns:a14="http://schemas.microsoft.com/office/drawing/2010/main" xmlns:m="http://schemas.openxmlformats.org/officeDocument/2006/math" xmlns="" val="1"/>
             </a:ext>
           </a:extLst>
         </p:spPr>
@@ -9080,7 +9414,7 @@
               </a:defRPr>
             </a:pPr>
             <a:r>
-              <a:rPr lang="en-CA" sz="1588" kern="0" dirty="0" err="1">
+              <a:rPr lang="en-CA" sz="1588" kern="0" dirty="0">
                 <a:solidFill>
                   <a:srgbClr val="0365C0">
                     <a:lumMod val="75000"/>
@@ -9089,19 +9423,7 @@
                 <a:latin typeface="Source Sans Pro"/>
                 <a:sym typeface="Source Sans Pro"/>
               </a:rPr>
-              <a:t>Magclass</a:t>
-            </a:r>
-            <a:r>
-              <a:rPr lang="en-CA" sz="1588" kern="0" dirty="0">
-                <a:solidFill>
-                  <a:srgbClr val="0365C0">
-                    <a:lumMod val="75000"/>
-                  </a:srgbClr>
-                </a:solidFill>
-                <a:latin typeface="Source Sans Pro"/>
-                <a:sym typeface="Source Sans Pro"/>
-              </a:rPr>
-              <a:t>: Magpie Objects</a:t>
+              <a:t>Magpie Objects</a:t>
             </a:r>
             <a:endParaRPr sz="1588" kern="0" dirty="0">
               <a:solidFill>
@@ -9200,7 +9522,7 @@
           </a:ln>
           <a:extLst>
             <a:ext uri="{C572A759-6A51-4108-AA02-DFA0A04FC94B}">
-              <ma14:wrappingTextBoxFlag xmlns="" xmlns:m="http://schemas.openxmlformats.org/officeDocument/2006/math" xmlns:a14="http://schemas.microsoft.com/office/drawing/2010/main" xmlns:ma14="http://schemas.microsoft.com/office/mac/drawingml/2011/main" val="1"/>
+              <ma14:wrappingTextBoxFlag xmlns:ma14="http://schemas.microsoft.com/office/mac/drawingml/2011/main" xmlns:a14="http://schemas.microsoft.com/office/drawing/2010/main" xmlns:m="http://schemas.openxmlformats.org/officeDocument/2006/math" xmlns="" val="1"/>
             </a:ext>
           </a:extLst>
         </p:spPr>
@@ -9306,7 +9628,7 @@
           </p:nvPr>
         </p:nvGraphicFramePr>
         <p:xfrm>
-          <a:off x="5581981" y="2920481"/>
+          <a:off x="5591171" y="3430957"/>
           <a:ext cx="3237272" cy="2337191"/>
         </p:xfrm>
         <a:graphic>
@@ -9465,31 +9787,11 @@
                       </a:pPr>
                       <a:r>
                         <a:rPr lang="en-CA" sz="600" dirty="0" smtClean="0"/>
-                        <a:t>Fills </a:t>
-                      </a:r>
-                      <a:r>
-                        <a:rPr lang="en-CA" sz="600" dirty="0" smtClean="0"/>
-                        <a:t>in/matches </a:t>
-                      </a:r>
-                      <a:r>
-                        <a:rPr lang="en-CA" sz="600" dirty="0" smtClean="0"/>
-                        <a:t>incomplete </a:t>
+                        <a:t>Fills in/matches incomplete </a:t>
                       </a:r>
                       <a:r>
                         <a:rPr lang="en-CA" sz="600" baseline="0" dirty="0" smtClean="0"/>
-                        <a:t>country </a:t>
-                      </a:r>
-                      <a:r>
-                        <a:rPr lang="en-CA" sz="600" baseline="0" dirty="0" smtClean="0"/>
-                        <a:t>dimension with NA </a:t>
-                      </a:r>
-                      <a:r>
-                        <a:rPr lang="en-CA" sz="600" baseline="0" dirty="0" smtClean="0"/>
-                        <a:t>/ given </a:t>
-                      </a:r>
-                      <a:r>
-                        <a:rPr lang="en-CA" sz="600" baseline="0" dirty="0" smtClean="0"/>
-                        <a:t>value</a:t>
+                        <a:t>country dimension with NA / given value</a:t>
                       </a:r>
                       <a:endParaRPr sz="600" dirty="0"/>
                     </a:p>
@@ -10717,7 +11019,7 @@
             </a:ln>
             <a:extLst>
               <a:ext uri="{C572A759-6A51-4108-AA02-DFA0A04FC94B}">
-                <ma14:wrappingTextBoxFlag xmlns="" xmlns:m="http://schemas.openxmlformats.org/officeDocument/2006/math" xmlns:a14="http://schemas.microsoft.com/office/drawing/2010/main" xmlns:ma14="http://schemas.microsoft.com/office/mac/drawingml/2011/main" val="1"/>
+                <ma14:wrappingTextBoxFlag xmlns:ma14="http://schemas.microsoft.com/office/mac/drawingml/2011/main" xmlns:a14="http://schemas.microsoft.com/office/drawing/2010/main" xmlns:m="http://schemas.openxmlformats.org/officeDocument/2006/math" xmlns="" val="1"/>
               </a:ext>
             </a:extLst>
           </p:spPr>
@@ -12219,7 +12521,7 @@
                 <a:effectLst/>
                 <a:extLst>
                   <a:ext uri="{C572A759-6A51-4108-AA02-DFA0A04FC94B}">
-                    <ma14:wrappingTextBoxFlag xmlns="" xmlns:m="http://schemas.openxmlformats.org/officeDocument/2006/math" xmlns:a14="http://schemas.microsoft.com/office/drawing/2010/main" xmlns:ma14="http://schemas.microsoft.com/office/mac/drawingml/2011/main" val="1"/>
+                    <ma14:wrappingTextBoxFlag xmlns:ma14="http://schemas.microsoft.com/office/mac/drawingml/2011/main" xmlns:a14="http://schemas.microsoft.com/office/drawing/2010/main" xmlns:m="http://schemas.openxmlformats.org/officeDocument/2006/math" xmlns="" val="1"/>
                   </a:ext>
                 </a:extLst>
               </p:spPr>
@@ -12607,7 +12909,7 @@
             <a:effectLst/>
             <a:extLst>
               <a:ext uri="{C572A759-6A51-4108-AA02-DFA0A04FC94B}">
-                <ma14:wrappingTextBoxFlag xmlns="" xmlns:m="http://schemas.openxmlformats.org/officeDocument/2006/math" xmlns:a14="http://schemas.microsoft.com/office/drawing/2010/main" xmlns:ma14="http://schemas.microsoft.com/office/mac/drawingml/2011/main" val="1"/>
+                <ma14:wrappingTextBoxFlag xmlns:ma14="http://schemas.microsoft.com/office/mac/drawingml/2011/main" xmlns:a14="http://schemas.microsoft.com/office/drawing/2010/main" xmlns:m="http://schemas.openxmlformats.org/officeDocument/2006/math" xmlns="" val="1"/>
               </a:ext>
             </a:extLst>
           </p:spPr>
@@ -12885,7 +13187,7 @@
             <a:effectLst/>
             <a:extLst>
               <a:ext uri="{C572A759-6A51-4108-AA02-DFA0A04FC94B}">
-                <ma14:wrappingTextBoxFlag xmlns="" xmlns:m="http://schemas.openxmlformats.org/officeDocument/2006/math" xmlns:a14="http://schemas.microsoft.com/office/drawing/2010/main" xmlns:ma14="http://schemas.microsoft.com/office/mac/drawingml/2011/main" val="1"/>
+                <ma14:wrappingTextBoxFlag xmlns:ma14="http://schemas.microsoft.com/office/mac/drawingml/2011/main" xmlns:a14="http://schemas.microsoft.com/office/drawing/2010/main" xmlns:m="http://schemas.openxmlformats.org/officeDocument/2006/math" xmlns="" val="1"/>
               </a:ext>
             </a:extLst>
           </p:spPr>
@@ -13498,8 +13800,8 @@
           </p:nvPr>
         </p:nvGraphicFramePr>
         <p:xfrm>
-          <a:off x="5816959" y="1170582"/>
-          <a:ext cx="2810203" cy="1371600"/>
+          <a:off x="5629202" y="2119548"/>
+          <a:ext cx="3173925" cy="1177960"/>
         </p:xfrm>
         <a:graphic>
           <a:graphicData uri="http://schemas.openxmlformats.org/drawingml/2006/table">
@@ -13508,14 +13810,14 @@
                 <a:tableStyleId>{9D7B26C5-4107-4FEC-AEDC-1716B250A1EF}</a:tableStyleId>
               </a:tblPr>
               <a:tblGrid>
-                <a:gridCol w="1098978">
+                <a:gridCol w="1241217">
                   <a:extLst>
                     <a:ext uri="{9D8B030D-6E8A-4147-A177-3AD203B41FA5}">
                       <a16:colId xmlns:a16="http://schemas.microsoft.com/office/drawing/2014/main" val="3371419109"/>
                     </a:ext>
                   </a:extLst>
                 </a:gridCol>
-                <a:gridCol w="1711225">
+                <a:gridCol w="1932708">
                   <a:extLst>
                     <a:ext uri="{9D8B030D-6E8A-4147-A177-3AD203B41FA5}">
                       <a16:colId xmlns:a16="http://schemas.microsoft.com/office/drawing/2014/main" val="2455000269"/>
@@ -13523,7 +13825,7 @@
                   </a:extLst>
                 </a:gridCol>
               </a:tblGrid>
-              <a:tr h="329184">
+              <a:tr h="235592">
                 <a:tc>
                   <a:txBody>
                     <a:bodyPr/>
@@ -13549,11 +13851,7 @@
                     <a:p>
                       <a:r>
                         <a:rPr lang="en-CA" sz="900" b="0" dirty="0" smtClean="0"/>
-                        <a:t>Converts </a:t>
-                      </a:r>
-                      <a:r>
-                        <a:rPr lang="en-CA" sz="900" b="0" dirty="0" smtClean="0"/>
-                        <a:t>(tidy)</a:t>
+                        <a:t>Converts</a:t>
                       </a:r>
                       <a:r>
                         <a:rPr lang="en-CA" sz="900" b="0" baseline="0" dirty="0" smtClean="0"/>
@@ -13565,11 +13863,7 @@
                       </a:r>
                       <a:r>
                         <a:rPr lang="en-CA" sz="900" b="0" dirty="0" smtClean="0"/>
-                        <a:t> </a:t>
-                      </a:r>
-                      <a:r>
-                        <a:rPr lang="en-CA" sz="900" b="0" dirty="0" smtClean="0"/>
-                        <a:t>to </a:t>
+                        <a:t> to </a:t>
                       </a:r>
                       <a:r>
                         <a:rPr lang="en-CA" sz="900" b="0" dirty="0" err="1" smtClean="0"/>
@@ -13594,7 +13888,7 @@
                     <a:p>
                       <a:r>
                         <a:rPr lang="en-CA" sz="900" dirty="0" err="1" smtClean="0"/>
-                        <a:t>fulldim</a:t>
+                        <a:t>getItems</a:t>
                       </a:r>
                       <a:r>
                         <a:rPr lang="en-CA" sz="900" dirty="0" smtClean="0"/>
@@ -13668,7 +13962,7 @@
                   </a:ext>
                 </a:extLst>
               </a:tr>
-              <a:tr h="329184">
+              <a:tr h="235592">
                 <a:tc>
                   <a:txBody>
                     <a:bodyPr/>
@@ -13784,7 +14078,7 @@
           </a:ln>
           <a:extLst>
             <a:ext uri="{C572A759-6A51-4108-AA02-DFA0A04FC94B}">
-              <ma14:wrappingTextBoxFlag xmlns="" xmlns:m="http://schemas.openxmlformats.org/officeDocument/2006/math" xmlns:a14="http://schemas.microsoft.com/office/drawing/2010/main" xmlns:ma14="http://schemas.microsoft.com/office/mac/drawingml/2011/main" val="1"/>
+              <ma14:wrappingTextBoxFlag xmlns:ma14="http://schemas.microsoft.com/office/mac/drawingml/2011/main" xmlns:a14="http://schemas.microsoft.com/office/drawing/2010/main" xmlns:m="http://schemas.openxmlformats.org/officeDocument/2006/math" xmlns="" val="1"/>
             </a:ext>
           </a:extLst>
         </p:spPr>
@@ -13919,7 +14213,7 @@
           </a:ln>
           <a:extLst>
             <a:ext uri="{C572A759-6A51-4108-AA02-DFA0A04FC94B}">
-              <ma14:wrappingTextBoxFlag xmlns="" xmlns:m="http://schemas.openxmlformats.org/officeDocument/2006/math" xmlns:a14="http://schemas.microsoft.com/office/drawing/2010/main" xmlns:ma14="http://schemas.microsoft.com/office/mac/drawingml/2011/main" val="1"/>
+              <ma14:wrappingTextBoxFlag xmlns:ma14="http://schemas.microsoft.com/office/mac/drawingml/2011/main" xmlns:a14="http://schemas.microsoft.com/office/drawing/2010/main" xmlns:m="http://schemas.openxmlformats.org/officeDocument/2006/math" xmlns="" val="1"/>
             </a:ext>
           </a:extLst>
         </p:spPr>
@@ -14459,7 +14753,7 @@
           </a:ln>
           <a:extLst>
             <a:ext uri="{C572A759-6A51-4108-AA02-DFA0A04FC94B}">
-              <ma14:wrappingTextBoxFlag xmlns="" xmlns:m="http://schemas.openxmlformats.org/officeDocument/2006/math" xmlns:a14="http://schemas.microsoft.com/office/drawing/2010/main" xmlns:ma14="http://schemas.microsoft.com/office/mac/drawingml/2011/main" val="1"/>
+              <ma14:wrappingTextBoxFlag xmlns:ma14="http://schemas.microsoft.com/office/mac/drawingml/2011/main" xmlns:a14="http://schemas.microsoft.com/office/drawing/2010/main" xmlns:m="http://schemas.openxmlformats.org/officeDocument/2006/math" xmlns="" val="1"/>
             </a:ext>
           </a:extLst>
         </p:spPr>
@@ -14572,7 +14866,7 @@
         </p:nvSpPr>
         <p:spPr>
           <a:xfrm>
-            <a:off x="5576447" y="2651857"/>
+            <a:off x="5588678" y="1679451"/>
             <a:ext cx="2457668" cy="211796"/>
           </a:xfrm>
           <a:prstGeom prst="rect">
@@ -14583,7 +14877,7 @@
           </a:ln>
           <a:extLst>
             <a:ext uri="{C572A759-6A51-4108-AA02-DFA0A04FC94B}">
-              <ma14:wrappingTextBoxFlag xmlns="" xmlns:m="http://schemas.openxmlformats.org/officeDocument/2006/math" xmlns:a14="http://schemas.microsoft.com/office/drawing/2010/main" xmlns:ma14="http://schemas.microsoft.com/office/mac/drawingml/2011/main" val="1"/>
+              <ma14:wrappingTextBoxFlag xmlns:ma14="http://schemas.microsoft.com/office/mac/drawingml/2011/main" xmlns:a14="http://schemas.microsoft.com/office/drawing/2010/main" xmlns:m="http://schemas.openxmlformats.org/officeDocument/2006/math" xmlns="" val="1"/>
             </a:ext>
           </a:extLst>
         </p:spPr>
@@ -14651,10 +14945,561 @@
           </a:p>
         </p:txBody>
       </p:sp>
+      <p:sp>
+        <p:nvSpPr>
+          <p:cNvPr id="7" name="Rectangle 6"/>
+          <p:cNvSpPr/>
+          <p:nvPr/>
+        </p:nvSpPr>
+        <p:spPr>
+          <a:xfrm>
+            <a:off x="5557897" y="5598864"/>
+            <a:ext cx="2916183" cy="1030603"/>
+          </a:xfrm>
+          <a:prstGeom prst="rect">
+            <a:avLst/>
+          </a:prstGeom>
+        </p:spPr>
+        <p:txBody>
+          <a:bodyPr wrap="none">
+            <a:spAutoFit/>
+          </a:bodyPr>
+          <a:lstStyle/>
+          <a:p>
+            <a:pPr marL="0" lvl="1" defTabSz="371142" hangingPunct="0">
+              <a:lnSpc>
+                <a:spcPct val="80000"/>
+              </a:lnSpc>
+              <a:defRPr sz="2500" b="0">
+                <a:solidFill>
+                  <a:srgbClr val="628DB5"/>
+                </a:solidFill>
+              </a:defRPr>
+            </a:pPr>
+            <a:endParaRPr lang="de-DE" sz="1588" kern="0" dirty="0">
+              <a:solidFill>
+                <a:srgbClr val="0365C0">
+                  <a:lumMod val="75000"/>
+                </a:srgbClr>
+              </a:solidFill>
+              <a:latin typeface="Source Sans Pro"/>
+              <a:sym typeface="Source Sans Pro"/>
+            </a:endParaRPr>
+          </a:p>
+          <a:p>
+            <a:pPr marL="0" lvl="1" defTabSz="371142" hangingPunct="0">
+              <a:lnSpc>
+                <a:spcPct val="80000"/>
+              </a:lnSpc>
+              <a:defRPr sz="2500" b="0">
+                <a:solidFill>
+                  <a:srgbClr val="628DB5"/>
+                </a:solidFill>
+              </a:defRPr>
+            </a:pPr>
+            <a:r>
+              <a:rPr lang="de-DE" sz="1588" kern="0" dirty="0" err="1">
+                <a:solidFill>
+                  <a:srgbClr val="0365C0">
+                    <a:lumMod val="75000"/>
+                  </a:srgbClr>
+                </a:solidFill>
+                <a:latin typeface="Source Sans Pro"/>
+                <a:sym typeface="Source Sans Pro"/>
+              </a:rPr>
+              <a:t>Build</a:t>
+            </a:r>
+            <a:r>
+              <a:rPr lang="de-DE" sz="1588" kern="0" dirty="0">
+                <a:solidFill>
+                  <a:srgbClr val="0365C0">
+                    <a:lumMod val="75000"/>
+                  </a:srgbClr>
+                </a:solidFill>
+                <a:latin typeface="Source Sans Pro"/>
+                <a:sym typeface="Source Sans Pro"/>
+              </a:rPr>
+              <a:t> a </a:t>
+            </a:r>
+            <a:r>
+              <a:rPr lang="de-DE" sz="1588" kern="0" dirty="0" err="1">
+                <a:solidFill>
+                  <a:srgbClr val="0365C0">
+                    <a:lumMod val="75000"/>
+                  </a:srgbClr>
+                </a:solidFill>
+                <a:latin typeface="Source Sans Pro"/>
+                <a:sym typeface="Source Sans Pro"/>
+              </a:rPr>
+              <a:t>MADRaT-linked</a:t>
+            </a:r>
+            <a:r>
+              <a:rPr lang="de-DE" sz="1588" kern="0" dirty="0">
+                <a:solidFill>
+                  <a:srgbClr val="0365C0">
+                    <a:lumMod val="75000"/>
+                  </a:srgbClr>
+                </a:solidFill>
+                <a:latin typeface="Source Sans Pro"/>
+                <a:sym typeface="Source Sans Pro"/>
+              </a:rPr>
+              <a:t> </a:t>
+            </a:r>
+            <a:r>
+              <a:rPr lang="de-DE" sz="1588" kern="0" dirty="0" err="1">
+                <a:solidFill>
+                  <a:srgbClr val="0365C0">
+                    <a:lumMod val="75000"/>
+                  </a:srgbClr>
+                </a:solidFill>
+                <a:latin typeface="Source Sans Pro"/>
+                <a:sym typeface="Source Sans Pro"/>
+              </a:rPr>
+              <a:t>library</a:t>
+            </a:r>
+            <a:endParaRPr lang="de-DE" sz="1588" kern="0" dirty="0">
+              <a:solidFill>
+                <a:srgbClr val="0365C0">
+                  <a:lumMod val="75000"/>
+                </a:srgbClr>
+              </a:solidFill>
+              <a:latin typeface="Source Sans Pro"/>
+              <a:sym typeface="Source Sans Pro"/>
+            </a:endParaRPr>
+          </a:p>
+          <a:p>
+            <a:pPr marL="0" lvl="1" defTabSz="371142" hangingPunct="0">
+              <a:lnSpc>
+                <a:spcPct val="80000"/>
+              </a:lnSpc>
+              <a:defRPr sz="2500" b="0">
+                <a:solidFill>
+                  <a:srgbClr val="628DB5"/>
+                </a:solidFill>
+              </a:defRPr>
+            </a:pPr>
+            <a:r>
+              <a:rPr lang="en-CA" sz="889" i="1" kern="0" dirty="0">
+                <a:solidFill>
+                  <a:srgbClr val="0365C0">
+                    <a:lumMod val="75000"/>
+                  </a:srgbClr>
+                </a:solidFill>
+                <a:latin typeface="Source Sans Pro"/>
+                <a:sym typeface="Source Sans Pro"/>
+              </a:rPr>
+              <a:t>#run</a:t>
+            </a:r>
+          </a:p>
+          <a:p>
+            <a:pPr marL="0" lvl="1" defTabSz="371142" hangingPunct="0">
+              <a:lnSpc>
+                <a:spcPct val="80000"/>
+              </a:lnSpc>
+              <a:defRPr sz="2500" b="0">
+                <a:solidFill>
+                  <a:srgbClr val="628DB5"/>
+                </a:solidFill>
+              </a:defRPr>
+            </a:pPr>
+            <a:endParaRPr lang="en-CA" sz="889" i="1" kern="0" dirty="0">
+              <a:solidFill>
+                <a:srgbClr val="0365C0">
+                  <a:lumMod val="75000"/>
+                </a:srgbClr>
+              </a:solidFill>
+              <a:latin typeface="Source Sans Pro"/>
+              <a:sym typeface="Source Sans Pro"/>
+            </a:endParaRPr>
+          </a:p>
+          <a:p>
+            <a:pPr marL="0" lvl="1" defTabSz="371142" hangingPunct="0">
+              <a:lnSpc>
+                <a:spcPct val="80000"/>
+              </a:lnSpc>
+              <a:defRPr sz="2500" b="0">
+                <a:solidFill>
+                  <a:srgbClr val="628DB5"/>
+                </a:solidFill>
+              </a:defRPr>
+            </a:pPr>
+            <a:r>
+              <a:rPr lang="en-CA" sz="889" i="1" kern="0" dirty="0">
+                <a:solidFill>
+                  <a:srgbClr val="0365C0">
+                    <a:lumMod val="75000"/>
+                  </a:srgbClr>
+                </a:solidFill>
+                <a:latin typeface="Source Sans Pro"/>
+                <a:sym typeface="Source Sans Pro"/>
+              </a:rPr>
+              <a:t>lucode2::</a:t>
+            </a:r>
+            <a:r>
+              <a:rPr lang="en-CA" sz="889" i="1" kern="0" dirty="0" err="1">
+                <a:solidFill>
+                  <a:srgbClr val="0365C0">
+                    <a:lumMod val="75000"/>
+                  </a:srgbClr>
+                </a:solidFill>
+                <a:latin typeface="Source Sans Pro"/>
+                <a:sym typeface="Source Sans Pro"/>
+              </a:rPr>
+              <a:t>buildLibrary</a:t>
+            </a:r>
+            <a:r>
+              <a:rPr lang="en-CA" sz="889" i="1" kern="0" dirty="0">
+                <a:solidFill>
+                  <a:srgbClr val="0365C0">
+                    <a:lumMod val="75000"/>
+                  </a:srgbClr>
+                </a:solidFill>
+                <a:latin typeface="Source Sans Pro"/>
+                <a:sym typeface="Source Sans Pro"/>
+              </a:rPr>
+              <a:t>()</a:t>
+            </a:r>
+          </a:p>
+          <a:p>
+            <a:pPr marL="0" lvl="1" defTabSz="371142" hangingPunct="0">
+              <a:lnSpc>
+                <a:spcPct val="80000"/>
+              </a:lnSpc>
+              <a:defRPr sz="2500" b="0">
+                <a:solidFill>
+                  <a:srgbClr val="628DB5"/>
+                </a:solidFill>
+              </a:defRPr>
+            </a:pPr>
+            <a:endParaRPr lang="en-CA" sz="889" i="1" kern="0" dirty="0">
+              <a:solidFill>
+                <a:srgbClr val="0365C0">
+                  <a:lumMod val="75000"/>
+                </a:srgbClr>
+              </a:solidFill>
+              <a:latin typeface="Source Sans Pro"/>
+              <a:sym typeface="Source Sans Pro"/>
+            </a:endParaRPr>
+          </a:p>
+          <a:p>
+            <a:pPr marL="0" lvl="1" defTabSz="371142" hangingPunct="0">
+              <a:lnSpc>
+                <a:spcPct val="80000"/>
+              </a:lnSpc>
+              <a:defRPr sz="2500" b="0">
+                <a:solidFill>
+                  <a:srgbClr val="628DB5"/>
+                </a:solidFill>
+              </a:defRPr>
+            </a:pPr>
+            <a:r>
+              <a:rPr lang="en-CA" sz="889" i="1" kern="0" dirty="0">
+                <a:solidFill>
+                  <a:srgbClr val="0365C0">
+                    <a:lumMod val="75000"/>
+                  </a:srgbClr>
+                </a:solidFill>
+                <a:latin typeface="Source Sans Pro"/>
+                <a:sym typeface="Source Sans Pro"/>
+              </a:rPr>
+              <a:t>#Need 0 Errors, warnings, notes before commit</a:t>
+            </a:r>
+            <a:endParaRPr lang="en-CA" sz="889" i="1" kern="0" dirty="0">
+              <a:solidFill>
+                <a:srgbClr val="0365C0">
+                  <a:lumMod val="75000"/>
+                </a:srgbClr>
+              </a:solidFill>
+              <a:latin typeface="Source Sans Pro"/>
+              <a:sym typeface="Source Sans Pro"/>
+            </a:endParaRPr>
+          </a:p>
+        </p:txBody>
+      </p:sp>
+      <p:sp>
+        <p:nvSpPr>
+          <p:cNvPr id="8" name="TextBox 7"/>
+          <p:cNvSpPr txBox="1"/>
+          <p:nvPr/>
+        </p:nvSpPr>
+        <p:spPr>
+          <a:xfrm>
+            <a:off x="5596193" y="1792720"/>
+            <a:ext cx="2796722" cy="434600"/>
+          </a:xfrm>
+          <a:prstGeom prst="rect">
+            <a:avLst/>
+          </a:prstGeom>
+          <a:noFill/>
+          <a:ln w="12700" cap="flat">
+            <a:noFill/>
+            <a:miter lim="400000"/>
+          </a:ln>
+          <a:effectLst/>
+          <a:sp3d/>
+        </p:spPr>
+        <p:style>
+          <a:lnRef idx="0">
+            <a:scrgbClr r="0" g="0" b="0"/>
+          </a:lnRef>
+          <a:fillRef idx="0">
+            <a:scrgbClr r="0" g="0" b="0"/>
+          </a:fillRef>
+          <a:effectRef idx="0">
+            <a:scrgbClr r="0" g="0" b="0"/>
+          </a:effectRef>
+          <a:fontRef idx="none"/>
+        </p:style>
+        <p:txBody>
+          <a:bodyPr rot="0" spcFirstLastPara="1" vertOverflow="overflow" horzOverflow="overflow" vert="horz" wrap="none" lIns="34668" tIns="34668" rIns="34668" bIns="34668" numCol="1" spcCol="38100" rtlCol="0" anchor="ctr">
+            <a:spAutoFit/>
+          </a:bodyPr>
+          <a:lstStyle/>
+          <a:p>
+            <a:pPr marL="0" lvl="1" defTabSz="371142" hangingPunct="0">
+              <a:lnSpc>
+                <a:spcPct val="150000"/>
+              </a:lnSpc>
+              <a:defRPr sz="2500" b="0">
+                <a:solidFill>
+                  <a:srgbClr val="628DB5"/>
+                </a:solidFill>
+              </a:defRPr>
+            </a:pPr>
+            <a:r>
+              <a:rPr lang="en-CA" sz="1016" kern="0" dirty="0">
+                <a:solidFill>
+                  <a:srgbClr val="4C4C4C"/>
+                </a:solidFill>
+                <a:latin typeface="Source Sans Pro"/>
+                <a:sym typeface="Source Sans Pro"/>
+              </a:rPr>
+              <a:t>Further documentation in ?</a:t>
+            </a:r>
+            <a:r>
+              <a:rPr lang="en-CA" sz="1016" kern="0" dirty="0" err="1">
+                <a:solidFill>
+                  <a:srgbClr val="4C4C4C"/>
+                </a:solidFill>
+                <a:latin typeface="Source Sans Pro"/>
+                <a:sym typeface="Source Sans Pro"/>
+              </a:rPr>
+              <a:t>magclass</a:t>
+            </a:r>
+            <a:r>
+              <a:rPr lang="en-CA" sz="1016" kern="0" dirty="0">
+                <a:solidFill>
+                  <a:srgbClr val="4C4C4C"/>
+                </a:solidFill>
+                <a:latin typeface="Source Sans Pro"/>
+                <a:sym typeface="Source Sans Pro"/>
+              </a:rPr>
+              <a:t>::function()</a:t>
+            </a:r>
+          </a:p>
+          <a:p>
+            <a:pPr defTabSz="371142" hangingPunct="0">
+              <a:spcBef>
+                <a:spcPts val="127"/>
+              </a:spcBef>
+            </a:pPr>
+            <a:endParaRPr lang="de-DE" sz="762" b="1" kern="0" dirty="0">
+              <a:solidFill>
+                <a:srgbClr val="4C4C4C"/>
+              </a:solidFill>
+              <a:latin typeface="Source Sans Pro"/>
+              <a:ea typeface="Source Sans Pro"/>
+              <a:cs typeface="Source Sans Pro"/>
+              <a:sym typeface="Source Sans Pro"/>
+            </a:endParaRPr>
+          </a:p>
+        </p:txBody>
+      </p:sp>
+      <p:grpSp>
+        <p:nvGrpSpPr>
+          <p:cNvPr id="11" name="Group 10"/>
+          <p:cNvGrpSpPr/>
+          <p:nvPr/>
+        </p:nvGrpSpPr>
+        <p:grpSpPr>
+          <a:xfrm>
+            <a:off x="5588679" y="1055980"/>
+            <a:ext cx="1823772" cy="620170"/>
+            <a:chOff x="8804577" y="1445581"/>
+            <a:chExt cx="2870753" cy="976194"/>
+          </a:xfrm>
+        </p:grpSpPr>
+        <p:sp>
+          <p:nvSpPr>
+            <p:cNvPr id="10" name="Rectangle 9"/>
+            <p:cNvSpPr/>
+            <p:nvPr/>
+          </p:nvSpPr>
+          <p:spPr>
+            <a:xfrm>
+              <a:off x="8939239" y="1601155"/>
+              <a:ext cx="2736091" cy="257867"/>
+            </a:xfrm>
+            <a:prstGeom prst="rect">
+              <a:avLst/>
+            </a:prstGeom>
+            <a:solidFill>
+              <a:schemeClr val="accent2">
+                <a:lumMod val="40000"/>
+                <a:lumOff val="60000"/>
+              </a:schemeClr>
+            </a:solidFill>
+            <a:ln w="12700" cap="flat">
+              <a:noFill/>
+              <a:miter lim="400000"/>
+            </a:ln>
+            <a:effectLst>
+              <a:outerShdw blurRad="38100" dist="25400" dir="5400000" rotWithShape="0">
+                <a:srgbClr val="000000">
+                  <a:alpha val="50000"/>
+                </a:srgbClr>
+              </a:outerShdw>
+            </a:effectLst>
+            <a:sp3d/>
+          </p:spPr>
+          <p:style>
+            <a:lnRef idx="0">
+              <a:scrgbClr r="0" g="0" b="0"/>
+            </a:lnRef>
+            <a:fillRef idx="0">
+              <a:scrgbClr r="0" g="0" b="0"/>
+            </a:fillRef>
+            <a:effectRef idx="0">
+              <a:scrgbClr r="0" g="0" b="0"/>
+            </a:effectRef>
+            <a:fontRef idx="none"/>
+          </p:style>
+          <p:txBody>
+            <a:bodyPr rot="0" spcFirstLastPara="1" vertOverflow="overflow" horzOverflow="overflow" vert="horz" wrap="square" lIns="34668" tIns="34668" rIns="34668" bIns="34668" numCol="1" spcCol="38100" rtlCol="0" fromWordArt="0" anchor="ctr" anchorCtr="0" forceAA="0" compatLnSpc="1">
+              <a:prstTxWarp prst="textNoShape">
+                <a:avLst/>
+              </a:prstTxWarp>
+              <a:spAutoFit/>
+            </a:bodyPr>
+            <a:lstStyle/>
+            <a:p>
+              <a:pPr defTabSz="371142" hangingPunct="0">
+                <a:lnSpc>
+                  <a:spcPct val="80000"/>
+                </a:lnSpc>
+              </a:pPr>
+              <a:endParaRPr lang="de-DE" sz="762" kern="0">
+                <a:solidFill>
+                  <a:srgbClr val="000000"/>
+                </a:solidFill>
+                <a:latin typeface="Source Sans Pro"/>
+                <a:ea typeface="Source Sans Pro"/>
+                <a:cs typeface="Source Sans Pro"/>
+                <a:sym typeface="Source Sans Pro"/>
+              </a:endParaRPr>
+            </a:p>
+          </p:txBody>
+        </p:sp>
+        <p:sp>
+          <p:nvSpPr>
+            <p:cNvPr id="9" name="Rectangle 8"/>
+            <p:cNvSpPr/>
+            <p:nvPr/>
+          </p:nvSpPr>
+          <p:spPr>
+            <a:xfrm>
+              <a:off x="8804577" y="1445581"/>
+              <a:ext cx="2778599" cy="976194"/>
+            </a:xfrm>
+            <a:prstGeom prst="rect">
+              <a:avLst/>
+            </a:prstGeom>
+          </p:spPr>
+          <p:txBody>
+            <a:bodyPr wrap="none">
+              <a:spAutoFit/>
+            </a:bodyPr>
+            <a:lstStyle/>
+            <a:p>
+              <a:pPr marL="0" lvl="1" defTabSz="371142" hangingPunct="0">
+                <a:lnSpc>
+                  <a:spcPct val="150000"/>
+                </a:lnSpc>
+                <a:defRPr sz="2500" b="0">
+                  <a:solidFill>
+                    <a:srgbClr val="628DB5"/>
+                  </a:solidFill>
+                </a:defRPr>
+              </a:pPr>
+              <a:r>
+                <a:rPr lang="en-CA" sz="1271" i="1" kern="0" dirty="0">
+                  <a:solidFill>
+                    <a:srgbClr val="4C4C4C"/>
+                  </a:solidFill>
+                  <a:latin typeface="Source Sans Pro"/>
+                  <a:sym typeface="Source Sans Pro"/>
+                </a:rPr>
+                <a:t>Subset: </a:t>
+              </a:r>
+              <a:r>
+                <a:rPr lang="en-CA" sz="1271" kern="0" dirty="0">
+                  <a:solidFill>
+                    <a:srgbClr val="4C4C4C"/>
+                  </a:solidFill>
+                  <a:latin typeface="Source Sans Pro"/>
+                  <a:sym typeface="Source Sans Pro"/>
+                </a:rPr>
+                <a:t>mag[subset,,]</a:t>
+              </a:r>
+            </a:p>
+            <a:p>
+              <a:pPr marL="0" lvl="1" defTabSz="371142" hangingPunct="0">
+                <a:lnSpc>
+                  <a:spcPct val="150000"/>
+                </a:lnSpc>
+                <a:defRPr sz="2500" b="0">
+                  <a:solidFill>
+                    <a:srgbClr val="628DB5"/>
+                  </a:solidFill>
+                </a:defRPr>
+              </a:pPr>
+              <a:r>
+                <a:rPr lang="en-CA" sz="1016" i="1" kern="0" dirty="0">
+                  <a:solidFill>
+                    <a:srgbClr val="4C4C4C"/>
+                  </a:solidFill>
+                  <a:latin typeface="Source Sans Pro"/>
+                  <a:sym typeface="Source Sans Pro"/>
+                </a:rPr>
+                <a:t>Avoid: </a:t>
+              </a:r>
+              <a:r>
+                <a:rPr lang="en-CA" sz="1016" kern="0" dirty="0">
+                  <a:solidFill>
+                    <a:srgbClr val="4C4C4C"/>
+                  </a:solidFill>
+                  <a:latin typeface="Source Sans Pro"/>
+                  <a:sym typeface="Source Sans Pro"/>
+                </a:rPr>
+                <a:t>mag[subset]</a:t>
+              </a:r>
+              <a:endParaRPr lang="en-CA" sz="1016" kern="0" dirty="0">
+                <a:solidFill>
+                  <a:srgbClr val="DCDEE0">
+                    <a:lumMod val="10000"/>
+                  </a:srgbClr>
+                </a:solidFill>
+                <a:latin typeface="Source Sans Pro"/>
+                <a:sym typeface="Source Sans Pro"/>
+              </a:endParaRPr>
+            </a:p>
+          </p:txBody>
+        </p:sp>
+      </p:grpSp>
     </p:spTree>
     <p:extLst>
       <p:ext uri="{BB962C8B-B14F-4D97-AF65-F5344CB8AC3E}">
-        <p14:creationId xmlns:p14="http://schemas.microsoft.com/office/powerpoint/2010/main" val="2757024427"/>
+        <p14:creationId xmlns:p14="http://schemas.microsoft.com/office/powerpoint/2010/main" val="2041409806"/>
       </p:ext>
     </p:extLst>
   </p:cSld>
@@ -14662,17 +15507,10 @@
     <a:masterClrMapping/>
   </p:clrMapOvr>
   <p:transition spd="med"/>
-  <p:timing>
-    <p:tnLst>
-      <p:par>
-        <p:cTn id="1" dur="indefinite" restart="never" nodeType="tmRoot"/>
-      </p:par>
-    </p:tnLst>
-  </p:timing>
 </p:sld>
 </file>
 
-<file path=ppt/slides/slide15.xml><?xml version="1.0" encoding="utf-8"?>
+<file path=ppt/slides/slide16.xml><?xml version="1.0" encoding="utf-8"?>
 <p:sld xmlns:a="http://schemas.openxmlformats.org/drawingml/2006/main" xmlns:r="http://schemas.openxmlformats.org/officeDocument/2006/relationships" xmlns:p="http://schemas.openxmlformats.org/presentationml/2006/main">
   <p:cSld>
     <p:spTree>
@@ -14869,382 +15707,6 @@
 </p:sld>
 </file>
 
-<file path=ppt/slides/slide16.xml><?xml version="1.0" encoding="utf-8"?>
-<p:sld xmlns:a="http://schemas.openxmlformats.org/drawingml/2006/main" xmlns:r="http://schemas.openxmlformats.org/officeDocument/2006/relationships" xmlns:p="http://schemas.openxmlformats.org/presentationml/2006/main">
-  <p:cSld>
-    <p:spTree>
-      <p:nvGrpSpPr>
-        <p:cNvPr id="1" name=""/>
-        <p:cNvGrpSpPr/>
-        <p:nvPr/>
-      </p:nvGrpSpPr>
-      <p:grpSpPr>
-        <a:xfrm>
-          <a:off x="0" y="0"/>
-          <a:ext cx="0" cy="0"/>
-          <a:chOff x="0" y="0"/>
-          <a:chExt cx="0" cy="0"/>
-        </a:xfrm>
-      </p:grpSpPr>
-      <p:sp>
-        <p:nvSpPr>
-          <p:cNvPr id="2" name="object 2"/>
-          <p:cNvSpPr txBox="1">
-            <a:spLocks noGrp="1"/>
-          </p:cNvSpPr>
-          <p:nvPr>
-            <p:ph type="title"/>
-          </p:nvPr>
-        </p:nvSpPr>
-        <p:spPr>
-          <a:xfrm>
-            <a:off x="2590800" y="317648"/>
-            <a:ext cx="2682175" cy="444352"/>
-          </a:xfrm>
-          <a:prstGeom prst="rect">
-            <a:avLst/>
-          </a:prstGeom>
-        </p:spPr>
-        <p:txBody>
-          <a:bodyPr vert="horz" wrap="square" lIns="0" tIns="13335" rIns="0" bIns="0" rtlCol="0">
-            <a:spAutoFit/>
-          </a:bodyPr>
-          <a:lstStyle/>
-          <a:p>
-            <a:pPr marL="81280">
-              <a:lnSpc>
-                <a:spcPct val="100000"/>
-              </a:lnSpc>
-              <a:spcBef>
-                <a:spcPts val="105"/>
-              </a:spcBef>
-            </a:pPr>
-            <a:r>
-              <a:rPr lang="en-CA" dirty="0" err="1" smtClean="0"/>
-              <a:t>Magclass</a:t>
-            </a:r>
-            <a:r>
-              <a:rPr lang="en-CA" dirty="0" smtClean="0"/>
-              <a:t> Objects</a:t>
-            </a:r>
-            <a:endParaRPr dirty="0"/>
-          </a:p>
-        </p:txBody>
-      </p:sp>
-      <p:sp>
-        <p:nvSpPr>
-          <p:cNvPr id="5" name="object 5"/>
-          <p:cNvSpPr txBox="1"/>
-          <p:nvPr/>
-        </p:nvSpPr>
-        <p:spPr>
-          <a:xfrm>
-            <a:off x="8655684" y="6399276"/>
-            <a:ext cx="229870" cy="177800"/>
-          </a:xfrm>
-          <a:prstGeom prst="rect">
-            <a:avLst/>
-          </a:prstGeom>
-        </p:spPr>
-        <p:txBody>
-          <a:bodyPr vert="horz" wrap="square" lIns="0" tIns="0" rIns="0" bIns="0" rtlCol="0">
-            <a:spAutoFit/>
-          </a:bodyPr>
-          <a:lstStyle/>
-          <a:p>
-            <a:pPr marL="38100">
-              <a:lnSpc>
-                <a:spcPts val="1240"/>
-              </a:lnSpc>
-            </a:pPr>
-            <a:fld id="{81D60167-4931-47E6-BA6A-407CBD079E47}" type="slidenum">
-              <a:rPr sz="1200" dirty="0">
-                <a:solidFill>
-                  <a:srgbClr val="818181"/>
-                </a:solidFill>
-                <a:latin typeface="Calibri"/>
-                <a:cs typeface="Calibri"/>
-              </a:rPr>
-              <a:t>16</a:t>
-            </a:fld>
-            <a:endParaRPr sz="1200">
-              <a:latin typeface="Calibri"/>
-              <a:cs typeface="Calibri"/>
-            </a:endParaRPr>
-          </a:p>
-        </p:txBody>
-      </p:sp>
-      <p:sp>
-        <p:nvSpPr>
-          <p:cNvPr id="3" name="object 3"/>
-          <p:cNvSpPr txBox="1"/>
-          <p:nvPr/>
-        </p:nvSpPr>
-        <p:spPr>
-          <a:xfrm>
-            <a:off x="618291" y="934457"/>
-            <a:ext cx="7625080" cy="3550331"/>
-          </a:xfrm>
-          <a:prstGeom prst="rect">
-            <a:avLst/>
-          </a:prstGeom>
-        </p:spPr>
-        <p:txBody>
-          <a:bodyPr vert="horz" wrap="square" lIns="0" tIns="13335" rIns="0" bIns="0" rtlCol="0">
-            <a:spAutoFit/>
-          </a:bodyPr>
-          <a:lstStyle/>
-          <a:p>
-            <a:pPr marL="372110">
-              <a:lnSpc>
-                <a:spcPct val="100000"/>
-              </a:lnSpc>
-              <a:spcBef>
-                <a:spcPts val="105"/>
-              </a:spcBef>
-            </a:pPr>
-            <a:r>
-              <a:rPr lang="en-CA" sz="2800" u="sng" dirty="0" smtClean="0">
-                <a:latin typeface="Calibri"/>
-                <a:cs typeface="Calibri"/>
-              </a:rPr>
-              <a:t>Basic </a:t>
-            </a:r>
-            <a:r>
-              <a:rPr lang="en-CA" sz="2800" u="sng" dirty="0" smtClean="0">
-                <a:latin typeface="Calibri"/>
-                <a:cs typeface="Calibri"/>
-              </a:rPr>
-              <a:t>element in</a:t>
-            </a:r>
-            <a:r>
-              <a:rPr lang="en-CA" sz="2800" u="sng" dirty="0" smtClean="0">
-                <a:latin typeface="Calibri"/>
-                <a:cs typeface="Calibri"/>
-              </a:rPr>
-              <a:t> </a:t>
-            </a:r>
-            <a:r>
-              <a:rPr lang="en-CA" sz="2800" u="sng" dirty="0" err="1" smtClean="0">
-                <a:latin typeface="Calibri"/>
-                <a:cs typeface="Calibri"/>
-              </a:rPr>
-              <a:t>MADRaT</a:t>
-            </a:r>
-            <a:r>
-              <a:rPr lang="en-CA" sz="2800" u="sng" dirty="0" smtClean="0">
-                <a:latin typeface="Calibri"/>
-                <a:cs typeface="Calibri"/>
-              </a:rPr>
-              <a:t>: </a:t>
-            </a:r>
-            <a:r>
-              <a:rPr lang="en-CA" sz="2800" dirty="0" err="1" smtClean="0">
-                <a:latin typeface="Calibri"/>
-                <a:cs typeface="Calibri"/>
-              </a:rPr>
-              <a:t>MAgPIE</a:t>
-            </a:r>
-            <a:r>
-              <a:rPr lang="en-CA" sz="2800" dirty="0" smtClean="0">
-                <a:latin typeface="Calibri"/>
-                <a:cs typeface="Calibri"/>
-              </a:rPr>
-              <a:t> objects</a:t>
-            </a:r>
-          </a:p>
-          <a:p>
-            <a:pPr marL="372110">
-              <a:lnSpc>
-                <a:spcPct val="100000"/>
-              </a:lnSpc>
-              <a:spcBef>
-                <a:spcPts val="105"/>
-              </a:spcBef>
-            </a:pPr>
-            <a:endParaRPr lang="en-CA" sz="2800" dirty="0">
-              <a:latin typeface="Calibri"/>
-              <a:cs typeface="Calibri"/>
-            </a:endParaRPr>
-          </a:p>
-          <a:p>
-            <a:pPr marL="372110">
-              <a:lnSpc>
-                <a:spcPct val="100000"/>
-              </a:lnSpc>
-              <a:spcBef>
-                <a:spcPts val="105"/>
-              </a:spcBef>
-            </a:pPr>
-            <a:r>
-              <a:rPr lang="en-CA" sz="2800" dirty="0" smtClean="0">
-                <a:latin typeface="Calibri"/>
-                <a:cs typeface="Calibri"/>
-              </a:rPr>
-              <a:t>Array consisting of:</a:t>
-            </a:r>
-          </a:p>
-          <a:p>
-            <a:pPr marL="372110">
-              <a:lnSpc>
-                <a:spcPct val="100000"/>
-              </a:lnSpc>
-              <a:spcBef>
-                <a:spcPts val="105"/>
-              </a:spcBef>
-            </a:pPr>
-            <a:endParaRPr lang="en-CA" sz="2800" dirty="0">
-              <a:latin typeface="Calibri"/>
-              <a:cs typeface="Calibri"/>
-            </a:endParaRPr>
-          </a:p>
-          <a:p>
-            <a:pPr marL="372110">
-              <a:lnSpc>
-                <a:spcPct val="100000"/>
-              </a:lnSpc>
-              <a:spcBef>
-                <a:spcPts val="105"/>
-              </a:spcBef>
-            </a:pPr>
-            <a:r>
-              <a:rPr lang="en-CA" sz="2800" dirty="0" smtClean="0">
-                <a:latin typeface="Calibri"/>
-                <a:cs typeface="Calibri"/>
-              </a:rPr>
-              <a:t>3 dimensions (</a:t>
-            </a:r>
-            <a:r>
-              <a:rPr lang="en-CA" sz="2800" dirty="0" err="1" smtClean="0">
-                <a:latin typeface="Calibri"/>
-                <a:cs typeface="Calibri"/>
-              </a:rPr>
-              <a:t>Subdimensions</a:t>
-            </a:r>
-            <a:r>
-              <a:rPr lang="en-CA" sz="2800" dirty="0" smtClean="0">
-                <a:latin typeface="Calibri"/>
-                <a:cs typeface="Calibri"/>
-              </a:rPr>
-              <a:t> possible):</a:t>
-            </a:r>
-            <a:endParaRPr lang="en-CA" sz="2800" dirty="0">
-              <a:latin typeface="Calibri"/>
-              <a:cs typeface="Calibri"/>
-            </a:endParaRPr>
-          </a:p>
-          <a:p>
-            <a:pPr marL="372110">
-              <a:lnSpc>
-                <a:spcPct val="100000"/>
-              </a:lnSpc>
-              <a:spcBef>
-                <a:spcPts val="105"/>
-              </a:spcBef>
-            </a:pPr>
-            <a:r>
-              <a:rPr lang="en-CA" sz="2800" dirty="0" smtClean="0">
-                <a:latin typeface="Calibri"/>
-                <a:cs typeface="Calibri"/>
-              </a:rPr>
-              <a:t>	1</a:t>
-            </a:r>
-            <a:r>
-              <a:rPr lang="en-CA" sz="2800" baseline="30000" dirty="0" smtClean="0">
-                <a:latin typeface="Calibri"/>
-                <a:cs typeface="Calibri"/>
-              </a:rPr>
-              <a:t>st</a:t>
-            </a:r>
-            <a:r>
-              <a:rPr lang="en-CA" sz="2800" dirty="0" smtClean="0">
-                <a:latin typeface="Calibri"/>
-                <a:cs typeface="Calibri"/>
-              </a:rPr>
-              <a:t> dim: Spatial</a:t>
-            </a:r>
-          </a:p>
-          <a:p>
-            <a:pPr marL="372110">
-              <a:lnSpc>
-                <a:spcPct val="100000"/>
-              </a:lnSpc>
-              <a:spcBef>
-                <a:spcPts val="105"/>
-              </a:spcBef>
-            </a:pPr>
-            <a:r>
-              <a:rPr lang="en-CA" sz="2800" dirty="0" smtClean="0">
-                <a:latin typeface="Calibri"/>
-                <a:cs typeface="Calibri"/>
-              </a:rPr>
-              <a:t>	2</a:t>
-            </a:r>
-            <a:r>
-              <a:rPr lang="en-CA" sz="2800" baseline="30000" dirty="0" smtClean="0">
-                <a:latin typeface="Calibri"/>
-                <a:cs typeface="Calibri"/>
-              </a:rPr>
-              <a:t>nd</a:t>
-            </a:r>
-            <a:r>
-              <a:rPr lang="en-CA" sz="2800" dirty="0" smtClean="0">
-                <a:latin typeface="Calibri"/>
-                <a:cs typeface="Calibri"/>
-              </a:rPr>
-              <a:t> dim: Temporal</a:t>
-            </a:r>
-          </a:p>
-          <a:p>
-            <a:pPr marL="372110">
-              <a:lnSpc>
-                <a:spcPct val="100000"/>
-              </a:lnSpc>
-              <a:spcBef>
-                <a:spcPts val="105"/>
-              </a:spcBef>
-            </a:pPr>
-            <a:r>
-              <a:rPr lang="en-CA" sz="2800" dirty="0" smtClean="0">
-                <a:latin typeface="Calibri"/>
-                <a:cs typeface="Calibri"/>
-              </a:rPr>
-              <a:t>	3</a:t>
-            </a:r>
-            <a:r>
-              <a:rPr lang="en-CA" sz="2800" baseline="30000" dirty="0" smtClean="0">
-                <a:latin typeface="Calibri"/>
-                <a:cs typeface="Calibri"/>
-              </a:rPr>
-              <a:t>rd</a:t>
-            </a:r>
-            <a:r>
-              <a:rPr lang="en-CA" sz="2800" dirty="0" smtClean="0">
-                <a:latin typeface="Calibri"/>
-                <a:cs typeface="Calibri"/>
-              </a:rPr>
-              <a:t> dim: Data</a:t>
-            </a:r>
-            <a:endParaRPr lang="en-CA" sz="2800" dirty="0">
-              <a:latin typeface="Calibri"/>
-              <a:cs typeface="Calibri"/>
-            </a:endParaRPr>
-          </a:p>
-        </p:txBody>
-      </p:sp>
-    </p:spTree>
-    <p:extLst>
-      <p:ext uri="{BB962C8B-B14F-4D97-AF65-F5344CB8AC3E}">
-        <p14:creationId xmlns:p14="http://schemas.microsoft.com/office/powerpoint/2010/main" val="2673734267"/>
-      </p:ext>
-    </p:extLst>
-  </p:cSld>
-  <p:clrMapOvr>
-    <a:masterClrMapping/>
-  </p:clrMapOvr>
-</p:sld>
-</file>
-
 <file path=ppt/slides/slide17.xml><?xml version="1.0" encoding="utf-8"?>
 <p:sld xmlns:a="http://schemas.openxmlformats.org/drawingml/2006/main" xmlns:r="http://schemas.openxmlformats.org/officeDocument/2006/relationships" xmlns:p="http://schemas.openxmlformats.org/presentationml/2006/main">
   <p:cSld>
@@ -15262,388 +15724,12 @@
           <a:chExt cx="0" cy="0"/>
         </a:xfrm>
       </p:grpSpPr>
-      <p:sp>
-        <p:nvSpPr>
-          <p:cNvPr id="2" name="object 2"/>
-          <p:cNvSpPr txBox="1">
-            <a:spLocks noGrp="1"/>
-          </p:cNvSpPr>
-          <p:nvPr>
-            <p:ph type="title"/>
-          </p:nvPr>
-        </p:nvSpPr>
-        <p:spPr>
-          <a:xfrm>
-            <a:off x="474027" y="413988"/>
-            <a:ext cx="2878773" cy="382156"/>
-          </a:xfrm>
-          <a:prstGeom prst="rect">
-            <a:avLst/>
-          </a:prstGeom>
-        </p:spPr>
-        <p:txBody>
-          <a:bodyPr vert="horz" wrap="square" lIns="0" tIns="12700" rIns="0" bIns="0" rtlCol="0">
-            <a:spAutoFit/>
-          </a:bodyPr>
-          <a:lstStyle/>
-          <a:p>
-            <a:pPr marL="12700">
-              <a:lnSpc>
-                <a:spcPct val="100000"/>
-              </a:lnSpc>
-              <a:spcBef>
-                <a:spcPts val="100"/>
-              </a:spcBef>
-            </a:pPr>
-            <a:r>
-              <a:rPr lang="de-DE" sz="2400" spc="-5" dirty="0" err="1" smtClean="0"/>
-              <a:t>Magclass</a:t>
-            </a:r>
-            <a:r>
-              <a:rPr lang="de-DE" sz="2400" spc="-5" dirty="0" smtClean="0"/>
-              <a:t> Cheat Sheet</a:t>
-            </a:r>
-            <a:endParaRPr sz="2400" dirty="0"/>
-          </a:p>
-        </p:txBody>
-      </p:sp>
-      <p:sp>
-        <p:nvSpPr>
-          <p:cNvPr id="4" name="object 4"/>
-          <p:cNvSpPr txBox="1"/>
-          <p:nvPr/>
-        </p:nvSpPr>
-        <p:spPr>
-          <a:xfrm>
-            <a:off x="8655684" y="6399276"/>
-            <a:ext cx="229870" cy="177800"/>
-          </a:xfrm>
-          <a:prstGeom prst="rect">
-            <a:avLst/>
-          </a:prstGeom>
-        </p:spPr>
-        <p:txBody>
-          <a:bodyPr vert="horz" wrap="square" lIns="0" tIns="0" rIns="0" bIns="0" rtlCol="0">
-            <a:spAutoFit/>
-          </a:bodyPr>
-          <a:lstStyle/>
-          <a:p>
-            <a:pPr marL="38100">
-              <a:lnSpc>
-                <a:spcPts val="1240"/>
-              </a:lnSpc>
-            </a:pPr>
-            <a:fld id="{81D60167-4931-47E6-BA6A-407CBD079E47}" type="slidenum">
-              <a:rPr sz="1200" dirty="0">
-                <a:solidFill>
-                  <a:srgbClr val="818181"/>
-                </a:solidFill>
-                <a:latin typeface="Calibri"/>
-                <a:cs typeface="Calibri"/>
-              </a:rPr>
-              <a:t>17</a:t>
-            </a:fld>
-            <a:endParaRPr sz="1200">
-              <a:latin typeface="Calibri"/>
-              <a:cs typeface="Calibri"/>
-            </a:endParaRPr>
-          </a:p>
-        </p:txBody>
-      </p:sp>
-      <p:graphicFrame>
-        <p:nvGraphicFramePr>
-          <p:cNvPr id="5" name="Table 4"/>
-          <p:cNvGraphicFramePr>
-            <a:graphicFrameLocks noGrp="1"/>
-          </p:cNvGraphicFramePr>
-          <p:nvPr>
-            <p:extLst>
-              <p:ext uri="{D42A27DB-BD31-4B8C-83A1-F6EECF244321}">
-                <p14:modId xmlns:p14="http://schemas.microsoft.com/office/powerpoint/2010/main" val="1621826736"/>
-              </p:ext>
-            </p:extLst>
-          </p:nvPr>
-        </p:nvGraphicFramePr>
-        <p:xfrm>
-          <a:off x="762000" y="1371603"/>
-          <a:ext cx="6477000" cy="3752766"/>
-        </p:xfrm>
-        <a:graphic>
-          <a:graphicData uri="http://schemas.openxmlformats.org/drawingml/2006/table">
-            <a:tbl>
-              <a:tblPr firstRow="1" bandRow="1">
-                <a:tableStyleId>{5C22544A-7EE6-4342-B048-85BDC9FD1C3A}</a:tableStyleId>
-              </a:tblPr>
-              <a:tblGrid>
-                <a:gridCol w="3238500">
-                  <a:extLst>
-                    <a:ext uri="{9D8B030D-6E8A-4147-A177-3AD203B41FA5}">
-                      <a16:colId xmlns:a16="http://schemas.microsoft.com/office/drawing/2014/main" val="4115931097"/>
-                    </a:ext>
-                  </a:extLst>
-                </a:gridCol>
-                <a:gridCol w="3238500">
-                  <a:extLst>
-                    <a:ext uri="{9D8B030D-6E8A-4147-A177-3AD203B41FA5}">
-                      <a16:colId xmlns:a16="http://schemas.microsoft.com/office/drawing/2014/main" val="1321233320"/>
-                    </a:ext>
-                  </a:extLst>
-                </a:gridCol>
-              </a:tblGrid>
-              <a:tr h="518781">
-                <a:tc gridSpan="2">
-                  <a:txBody>
-                    <a:bodyPr/>
-                    <a:lstStyle/>
-                    <a:p>
-                      <a:r>
-                        <a:rPr lang="de-DE" dirty="0" smtClean="0"/>
-                        <a:t>General</a:t>
-                      </a:r>
-                      <a:endParaRPr lang="de-DE" dirty="0"/>
-                    </a:p>
-                  </a:txBody>
-                  <a:tcPr/>
-                </a:tc>
-                <a:tc hMerge="1">
-                  <a:txBody>
-                    <a:bodyPr/>
-                    <a:lstStyle/>
-                    <a:p>
-                      <a:endParaRPr lang="de-DE" dirty="0"/>
-                    </a:p>
-                  </a:txBody>
-                  <a:tcPr/>
-                </a:tc>
-                <a:extLst>
-                  <a:ext uri="{0D108BD9-81ED-4DB2-BD59-A6C34878D82A}">
-                    <a16:rowId xmlns:a16="http://schemas.microsoft.com/office/drawing/2014/main" val="2528743213"/>
-                  </a:ext>
-                </a:extLst>
-              </a:tr>
-              <a:tr h="518781">
-                <a:tc>
-                  <a:txBody>
-                    <a:bodyPr/>
-                    <a:lstStyle/>
-                    <a:p>
-                      <a:r>
-                        <a:rPr lang="de-DE" dirty="0" err="1" smtClean="0"/>
-                        <a:t>fulldim</a:t>
-                      </a:r>
-                      <a:r>
-                        <a:rPr lang="de-DE" dirty="0" smtClean="0"/>
-                        <a:t>()</a:t>
-                      </a:r>
-                      <a:endParaRPr lang="de-DE" dirty="0"/>
-                    </a:p>
-                  </a:txBody>
-                  <a:tcPr/>
-                </a:tc>
-                <a:tc>
-                  <a:txBody>
-                    <a:bodyPr/>
-                    <a:lstStyle/>
-                    <a:p>
-                      <a:r>
-                        <a:rPr lang="en-CA" dirty="0" smtClean="0"/>
-                        <a:t>List of</a:t>
-                      </a:r>
-                      <a:r>
-                        <a:rPr lang="en-CA" baseline="0" dirty="0" smtClean="0"/>
-                        <a:t> all dimension names </a:t>
-                      </a:r>
-                      <a:endParaRPr lang="de-DE" dirty="0"/>
-                    </a:p>
-                  </a:txBody>
-                  <a:tcPr/>
-                </a:tc>
-                <a:extLst>
-                  <a:ext uri="{0D108BD9-81ED-4DB2-BD59-A6C34878D82A}">
-                    <a16:rowId xmlns:a16="http://schemas.microsoft.com/office/drawing/2014/main" val="4101096882"/>
-                  </a:ext>
-                </a:extLst>
-              </a:tr>
-              <a:tr h="486435">
-                <a:tc>
-                  <a:txBody>
-                    <a:bodyPr/>
-                    <a:lstStyle/>
-                    <a:p>
-                      <a:r>
-                        <a:rPr lang="en-CA" dirty="0" err="1" smtClean="0"/>
-                        <a:t>getRegions</a:t>
-                      </a:r>
-                      <a:r>
-                        <a:rPr lang="en-CA" dirty="0" smtClean="0"/>
-                        <a:t>()</a:t>
-                      </a:r>
-                      <a:endParaRPr lang="de-DE" dirty="0"/>
-                    </a:p>
-                  </a:txBody>
-                  <a:tcPr/>
-                </a:tc>
-                <a:tc>
-                  <a:txBody>
-                    <a:bodyPr/>
-                    <a:lstStyle/>
-                    <a:p>
-                      <a:r>
-                        <a:rPr lang="en-CA" dirty="0" smtClean="0"/>
-                        <a:t>Return</a:t>
-                      </a:r>
-                      <a:r>
-                        <a:rPr lang="en-CA" baseline="0" dirty="0" smtClean="0"/>
-                        <a:t> vector of 1</a:t>
-                      </a:r>
-                      <a:r>
-                        <a:rPr lang="en-CA" baseline="30000" dirty="0" smtClean="0"/>
-                        <a:t>st</a:t>
-                      </a:r>
-                      <a:r>
-                        <a:rPr lang="en-CA" baseline="0" dirty="0" smtClean="0"/>
-                        <a:t> dim (spatial) names</a:t>
-                      </a:r>
-                      <a:endParaRPr lang="de-DE" dirty="0"/>
-                    </a:p>
-                  </a:txBody>
-                  <a:tcPr/>
-                </a:tc>
-                <a:extLst>
-                  <a:ext uri="{0D108BD9-81ED-4DB2-BD59-A6C34878D82A}">
-                    <a16:rowId xmlns:a16="http://schemas.microsoft.com/office/drawing/2014/main" val="1420080041"/>
-                  </a:ext>
-                </a:extLst>
-              </a:tr>
-              <a:tr h="518781">
-                <a:tc>
-                  <a:txBody>
-                    <a:bodyPr/>
-                    <a:lstStyle/>
-                    <a:p>
-                      <a:r>
-                        <a:rPr lang="en-CA" dirty="0" err="1" smtClean="0"/>
-                        <a:t>getYears</a:t>
-                      </a:r>
-                      <a:r>
-                        <a:rPr lang="en-CA" dirty="0" smtClean="0"/>
-                        <a:t>()</a:t>
-                      </a:r>
-                      <a:endParaRPr lang="de-DE" dirty="0"/>
-                    </a:p>
-                  </a:txBody>
-                  <a:tcPr/>
-                </a:tc>
-                <a:tc>
-                  <a:txBody>
-                    <a:bodyPr/>
-                    <a:lstStyle/>
-                    <a:p>
-                      <a:endParaRPr lang="de-DE" dirty="0"/>
-                    </a:p>
-                  </a:txBody>
-                  <a:tcPr/>
-                </a:tc>
-                <a:extLst>
-                  <a:ext uri="{0D108BD9-81ED-4DB2-BD59-A6C34878D82A}">
-                    <a16:rowId xmlns:a16="http://schemas.microsoft.com/office/drawing/2014/main" val="4127266820"/>
-                  </a:ext>
-                </a:extLst>
-              </a:tr>
-              <a:tr h="518781">
-                <a:tc>
-                  <a:txBody>
-                    <a:bodyPr/>
-                    <a:lstStyle/>
-                    <a:p>
-                      <a:r>
-                        <a:rPr lang="en-CA" dirty="0" err="1" smtClean="0"/>
-                        <a:t>getNames</a:t>
-                      </a:r>
-                      <a:r>
-                        <a:rPr lang="en-CA" dirty="0" smtClean="0"/>
-                        <a:t>()</a:t>
-                      </a:r>
-                      <a:endParaRPr lang="de-DE" dirty="0"/>
-                    </a:p>
-                  </a:txBody>
-                  <a:tcPr/>
-                </a:tc>
-                <a:tc>
-                  <a:txBody>
-                    <a:bodyPr/>
-                    <a:lstStyle/>
-                    <a:p>
-                      <a:endParaRPr lang="de-DE"/>
-                    </a:p>
-                  </a:txBody>
-                  <a:tcPr/>
-                </a:tc>
-                <a:extLst>
-                  <a:ext uri="{0D108BD9-81ED-4DB2-BD59-A6C34878D82A}">
-                    <a16:rowId xmlns:a16="http://schemas.microsoft.com/office/drawing/2014/main" val="169715683"/>
-                  </a:ext>
-                </a:extLst>
-              </a:tr>
-              <a:tr h="518781">
-                <a:tc>
-                  <a:txBody>
-                    <a:bodyPr/>
-                    <a:lstStyle/>
-                    <a:p>
-                      <a:endParaRPr lang="de-DE" dirty="0"/>
-                    </a:p>
-                  </a:txBody>
-                  <a:tcPr/>
-                </a:tc>
-                <a:tc>
-                  <a:txBody>
-                    <a:bodyPr/>
-                    <a:lstStyle/>
-                    <a:p>
-                      <a:endParaRPr lang="de-DE"/>
-                    </a:p>
-                  </a:txBody>
-                  <a:tcPr/>
-                </a:tc>
-                <a:extLst>
-                  <a:ext uri="{0D108BD9-81ED-4DB2-BD59-A6C34878D82A}">
-                    <a16:rowId xmlns:a16="http://schemas.microsoft.com/office/drawing/2014/main" val="2674608386"/>
-                  </a:ext>
-                </a:extLst>
-              </a:tr>
-              <a:tr h="518781">
-                <a:tc>
-                  <a:txBody>
-                    <a:bodyPr/>
-                    <a:lstStyle/>
-                    <a:p>
-                      <a:endParaRPr lang="de-DE"/>
-                    </a:p>
-                  </a:txBody>
-                  <a:tcPr/>
-                </a:tc>
-                <a:tc>
-                  <a:txBody>
-                    <a:bodyPr/>
-                    <a:lstStyle/>
-                    <a:p>
-                      <a:endParaRPr lang="de-DE" dirty="0"/>
-                    </a:p>
-                  </a:txBody>
-                  <a:tcPr/>
-                </a:tc>
-                <a:extLst>
-                  <a:ext uri="{0D108BD9-81ED-4DB2-BD59-A6C34878D82A}">
-                    <a16:rowId xmlns:a16="http://schemas.microsoft.com/office/drawing/2014/main" val="381966235"/>
-                  </a:ext>
-                </a:extLst>
-              </a:tr>
-            </a:tbl>
-          </a:graphicData>
-        </a:graphic>
-      </p:graphicFrame>
     </p:spTree>
+    <p:extLst>
+      <p:ext uri="{BB962C8B-B14F-4D97-AF65-F5344CB8AC3E}">
+        <p14:creationId xmlns:p14="http://schemas.microsoft.com/office/powerpoint/2010/main" val="682457593"/>
+      </p:ext>
+    </p:extLst>
   </p:cSld>
   <p:clrMapOvr>
     <a:masterClrMapping/>
